--- a/Slides/WindowsDesktop.pptx
+++ b/Slides/WindowsDesktop.pptx
@@ -4,13 +4,23 @@
   <p:sldMasterIdLst>
     <p:sldMasterId id="2147483689" r:id="rId1"/>
   </p:sldMasterIdLst>
+  <p:notesMasterIdLst>
+    <p:notesMasterId r:id="rId15"/>
+  </p:notesMasterIdLst>
   <p:sldIdLst>
     <p:sldId id="256" r:id="rId2"/>
     <p:sldId id="257" r:id="rId3"/>
     <p:sldId id="258" r:id="rId4"/>
     <p:sldId id="259" r:id="rId5"/>
-    <p:sldId id="260" r:id="rId6"/>
-    <p:sldId id="261" r:id="rId7"/>
+    <p:sldId id="262" r:id="rId6"/>
+    <p:sldId id="260" r:id="rId7"/>
+    <p:sldId id="261" r:id="rId8"/>
+    <p:sldId id="263" r:id="rId9"/>
+    <p:sldId id="264" r:id="rId10"/>
+    <p:sldId id="265" r:id="rId11"/>
+    <p:sldId id="266" r:id="rId12"/>
+    <p:sldId id="267" r:id="rId13"/>
+    <p:sldId id="268" r:id="rId14"/>
   </p:sldIdLst>
   <p:sldSz cx="12192000" cy="6858000"/>
   <p:notesSz cx="6858000" cy="9144000"/>
@@ -117,6 +127,834 @@
 </p:presentation>
 </file>
 
+<file path=ppt/commentAuthors.xml><?xml version="1.0" encoding="utf-8"?>
+<p:cmAuthorLst xmlns:a="http://schemas.openxmlformats.org/drawingml/2006/main" xmlns:r="http://schemas.openxmlformats.org/officeDocument/2006/relationships" xmlns:p="http://schemas.openxmlformats.org/presentationml/2006/main">
+  <p:cmAuthor id="1" name="Paul Michaels" initials="PM" lastIdx="1" clrIdx="0">
+    <p:extLst>
+      <p:ext uri="{19B8F6BF-5375-455C-9EA6-DF929625EA0E}">
+        <p15:presenceInfo xmlns:p15="http://schemas.microsoft.com/office/powerpoint/2012/main" userId="145a6162d3bd6d3e" providerId="Windows Live"/>
+      </p:ext>
+    </p:extLst>
+  </p:cmAuthor>
+</p:cmAuthorLst>
+</file>
+
+<file path=ppt/notesMasters/notesMaster1.xml><?xml version="1.0" encoding="utf-8"?>
+<p:notesMaster xmlns:a="http://schemas.openxmlformats.org/drawingml/2006/main" xmlns:r="http://schemas.openxmlformats.org/officeDocument/2006/relationships" xmlns:p="http://schemas.openxmlformats.org/presentationml/2006/main">
+  <p:cSld>
+    <p:bg>
+      <p:bgRef idx="1001">
+        <a:schemeClr val="bg1"/>
+      </p:bgRef>
+    </p:bg>
+    <p:spTree>
+      <p:nvGrpSpPr>
+        <p:cNvPr id="1" name=""/>
+        <p:cNvGrpSpPr/>
+        <p:nvPr/>
+      </p:nvGrpSpPr>
+      <p:grpSpPr>
+        <a:xfrm>
+          <a:off x="0" y="0"/>
+          <a:ext cx="0" cy="0"/>
+          <a:chOff x="0" y="0"/>
+          <a:chExt cx="0" cy="0"/>
+        </a:xfrm>
+      </p:grpSpPr>
+      <p:sp>
+        <p:nvSpPr>
+          <p:cNvPr id="2" name="Header Placeholder 1"/>
+          <p:cNvSpPr>
+            <a:spLocks noGrp="1"/>
+          </p:cNvSpPr>
+          <p:nvPr>
+            <p:ph type="hdr" sz="quarter"/>
+          </p:nvPr>
+        </p:nvSpPr>
+        <p:spPr>
+          <a:xfrm>
+            <a:off x="0" y="0"/>
+            <a:ext cx="2971800" cy="458788"/>
+          </a:xfrm>
+          <a:prstGeom prst="rect">
+            <a:avLst/>
+          </a:prstGeom>
+        </p:spPr>
+        <p:txBody>
+          <a:bodyPr vert="horz" lIns="91440" tIns="45720" rIns="91440" bIns="45720" rtlCol="0"/>
+          <a:lstStyle>
+            <a:lvl1pPr algn="l">
+              <a:defRPr sz="1200"/>
+            </a:lvl1pPr>
+          </a:lstStyle>
+          <a:p>
+            <a:endParaRPr lang="en-GB"/>
+          </a:p>
+        </p:txBody>
+      </p:sp>
+      <p:sp>
+        <p:nvSpPr>
+          <p:cNvPr id="3" name="Date Placeholder 2"/>
+          <p:cNvSpPr>
+            <a:spLocks noGrp="1"/>
+          </p:cNvSpPr>
+          <p:nvPr>
+            <p:ph type="dt" idx="1"/>
+          </p:nvPr>
+        </p:nvSpPr>
+        <p:spPr>
+          <a:xfrm>
+            <a:off x="3884613" y="0"/>
+            <a:ext cx="2971800" cy="458788"/>
+          </a:xfrm>
+          <a:prstGeom prst="rect">
+            <a:avLst/>
+          </a:prstGeom>
+        </p:spPr>
+        <p:txBody>
+          <a:bodyPr vert="horz" lIns="91440" tIns="45720" rIns="91440" bIns="45720" rtlCol="0"/>
+          <a:lstStyle>
+            <a:lvl1pPr algn="r">
+              <a:defRPr sz="1200"/>
+            </a:lvl1pPr>
+          </a:lstStyle>
+          <a:p>
+            <a:fld id="{3C584FD8-9715-4DB4-9E67-D2EA6D27B37A}" type="datetimeFigureOut">
+              <a:rPr lang="en-GB" smtClean="0"/>
+              <a:t>10/10/2019</a:t>
+            </a:fld>
+            <a:endParaRPr lang="en-GB"/>
+          </a:p>
+        </p:txBody>
+      </p:sp>
+      <p:sp>
+        <p:nvSpPr>
+          <p:cNvPr id="4" name="Slide Image Placeholder 3"/>
+          <p:cNvSpPr>
+            <a:spLocks noGrp="1" noRot="1" noChangeAspect="1"/>
+          </p:cNvSpPr>
+          <p:nvPr>
+            <p:ph type="sldImg" idx="2"/>
+          </p:nvPr>
+        </p:nvSpPr>
+        <p:spPr>
+          <a:xfrm>
+            <a:off x="685800" y="1143000"/>
+            <a:ext cx="5486400" cy="3086100"/>
+          </a:xfrm>
+          <a:prstGeom prst="rect">
+            <a:avLst/>
+          </a:prstGeom>
+          <a:noFill/>
+          <a:ln w="12700">
+            <a:solidFill>
+              <a:prstClr val="black"/>
+            </a:solidFill>
+          </a:ln>
+        </p:spPr>
+        <p:txBody>
+          <a:bodyPr vert="horz" lIns="91440" tIns="45720" rIns="91440" bIns="45720" rtlCol="0" anchor="ctr"/>
+          <a:lstStyle/>
+          <a:p>
+            <a:endParaRPr lang="en-GB"/>
+          </a:p>
+        </p:txBody>
+      </p:sp>
+      <p:sp>
+        <p:nvSpPr>
+          <p:cNvPr id="5" name="Notes Placeholder 4"/>
+          <p:cNvSpPr>
+            <a:spLocks noGrp="1"/>
+          </p:cNvSpPr>
+          <p:nvPr>
+            <p:ph type="body" sz="quarter" idx="3"/>
+          </p:nvPr>
+        </p:nvSpPr>
+        <p:spPr>
+          <a:xfrm>
+            <a:off x="685800" y="4400550"/>
+            <a:ext cx="5486400" cy="3600450"/>
+          </a:xfrm>
+          <a:prstGeom prst="rect">
+            <a:avLst/>
+          </a:prstGeom>
+        </p:spPr>
+        <p:txBody>
+          <a:bodyPr vert="horz" lIns="91440" tIns="45720" rIns="91440" bIns="45720" rtlCol="0"/>
+          <a:lstStyle/>
+          <a:p>
+            <a:pPr lvl="0"/>
+            <a:r>
+              <a:rPr lang="en-US"/>
+              <a:t>Click to edit Master text styles</a:t>
+            </a:r>
+          </a:p>
+          <a:p>
+            <a:pPr lvl="1"/>
+            <a:r>
+              <a:rPr lang="en-US"/>
+              <a:t>Second level</a:t>
+            </a:r>
+          </a:p>
+          <a:p>
+            <a:pPr lvl="2"/>
+            <a:r>
+              <a:rPr lang="en-US"/>
+              <a:t>Third level</a:t>
+            </a:r>
+          </a:p>
+          <a:p>
+            <a:pPr lvl="3"/>
+            <a:r>
+              <a:rPr lang="en-US"/>
+              <a:t>Fourth level</a:t>
+            </a:r>
+          </a:p>
+          <a:p>
+            <a:pPr lvl="4"/>
+            <a:r>
+              <a:rPr lang="en-US"/>
+              <a:t>Fifth level</a:t>
+            </a:r>
+            <a:endParaRPr lang="en-GB"/>
+          </a:p>
+        </p:txBody>
+      </p:sp>
+      <p:sp>
+        <p:nvSpPr>
+          <p:cNvPr id="6" name="Footer Placeholder 5"/>
+          <p:cNvSpPr>
+            <a:spLocks noGrp="1"/>
+          </p:cNvSpPr>
+          <p:nvPr>
+            <p:ph type="ftr" sz="quarter" idx="4"/>
+          </p:nvPr>
+        </p:nvSpPr>
+        <p:spPr>
+          <a:xfrm>
+            <a:off x="0" y="8685213"/>
+            <a:ext cx="2971800" cy="458787"/>
+          </a:xfrm>
+          <a:prstGeom prst="rect">
+            <a:avLst/>
+          </a:prstGeom>
+        </p:spPr>
+        <p:txBody>
+          <a:bodyPr vert="horz" lIns="91440" tIns="45720" rIns="91440" bIns="45720" rtlCol="0" anchor="b"/>
+          <a:lstStyle>
+            <a:lvl1pPr algn="l">
+              <a:defRPr sz="1200"/>
+            </a:lvl1pPr>
+          </a:lstStyle>
+          <a:p>
+            <a:endParaRPr lang="en-GB"/>
+          </a:p>
+        </p:txBody>
+      </p:sp>
+      <p:sp>
+        <p:nvSpPr>
+          <p:cNvPr id="7" name="Slide Number Placeholder 6"/>
+          <p:cNvSpPr>
+            <a:spLocks noGrp="1"/>
+          </p:cNvSpPr>
+          <p:nvPr>
+            <p:ph type="sldNum" sz="quarter" idx="5"/>
+          </p:nvPr>
+        </p:nvSpPr>
+        <p:spPr>
+          <a:xfrm>
+            <a:off x="3884613" y="8685213"/>
+            <a:ext cx="2971800" cy="458787"/>
+          </a:xfrm>
+          <a:prstGeom prst="rect">
+            <a:avLst/>
+          </a:prstGeom>
+        </p:spPr>
+        <p:txBody>
+          <a:bodyPr vert="horz" lIns="91440" tIns="45720" rIns="91440" bIns="45720" rtlCol="0" anchor="b"/>
+          <a:lstStyle>
+            <a:lvl1pPr algn="r">
+              <a:defRPr sz="1200"/>
+            </a:lvl1pPr>
+          </a:lstStyle>
+          <a:p>
+            <a:fld id="{E972E99C-92EF-45A1-B809-4F091E17A148}" type="slidenum">
+              <a:rPr lang="en-GB" smtClean="0"/>
+              <a:t>‹#›</a:t>
+            </a:fld>
+            <a:endParaRPr lang="en-GB"/>
+          </a:p>
+        </p:txBody>
+      </p:sp>
+    </p:spTree>
+    <p:extLst>
+      <p:ext uri="{BB962C8B-B14F-4D97-AF65-F5344CB8AC3E}">
+        <p14:creationId xmlns:p14="http://schemas.microsoft.com/office/powerpoint/2010/main" val="233941020"/>
+      </p:ext>
+    </p:extLst>
+  </p:cSld>
+  <p:clrMap bg1="lt1" tx1="dk1" bg2="lt2" tx2="dk2" accent1="accent1" accent2="accent2" accent3="accent3" accent4="accent4" accent5="accent5" accent6="accent6" hlink="hlink" folHlink="folHlink"/>
+  <p:notesStyle>
+    <a:lvl1pPr marL="0" algn="l" defTabSz="914400" rtl="0" eaLnBrk="1" latinLnBrk="0" hangingPunct="1">
+      <a:defRPr sz="1200" kern="1200">
+        <a:solidFill>
+          <a:schemeClr val="tx1"/>
+        </a:solidFill>
+        <a:latin typeface="+mn-lt"/>
+        <a:ea typeface="+mn-ea"/>
+        <a:cs typeface="+mn-cs"/>
+      </a:defRPr>
+    </a:lvl1pPr>
+    <a:lvl2pPr marL="457200" algn="l" defTabSz="914400" rtl="0" eaLnBrk="1" latinLnBrk="0" hangingPunct="1">
+      <a:defRPr sz="1200" kern="1200">
+        <a:solidFill>
+          <a:schemeClr val="tx1"/>
+        </a:solidFill>
+        <a:latin typeface="+mn-lt"/>
+        <a:ea typeface="+mn-ea"/>
+        <a:cs typeface="+mn-cs"/>
+      </a:defRPr>
+    </a:lvl2pPr>
+    <a:lvl3pPr marL="914400" algn="l" defTabSz="914400" rtl="0" eaLnBrk="1" latinLnBrk="0" hangingPunct="1">
+      <a:defRPr sz="1200" kern="1200">
+        <a:solidFill>
+          <a:schemeClr val="tx1"/>
+        </a:solidFill>
+        <a:latin typeface="+mn-lt"/>
+        <a:ea typeface="+mn-ea"/>
+        <a:cs typeface="+mn-cs"/>
+      </a:defRPr>
+    </a:lvl3pPr>
+    <a:lvl4pPr marL="1371600" algn="l" defTabSz="914400" rtl="0" eaLnBrk="1" latinLnBrk="0" hangingPunct="1">
+      <a:defRPr sz="1200" kern="1200">
+        <a:solidFill>
+          <a:schemeClr val="tx1"/>
+        </a:solidFill>
+        <a:latin typeface="+mn-lt"/>
+        <a:ea typeface="+mn-ea"/>
+        <a:cs typeface="+mn-cs"/>
+      </a:defRPr>
+    </a:lvl4pPr>
+    <a:lvl5pPr marL="1828800" algn="l" defTabSz="914400" rtl="0" eaLnBrk="1" latinLnBrk="0" hangingPunct="1">
+      <a:defRPr sz="1200" kern="1200">
+        <a:solidFill>
+          <a:schemeClr val="tx1"/>
+        </a:solidFill>
+        <a:latin typeface="+mn-lt"/>
+        <a:ea typeface="+mn-ea"/>
+        <a:cs typeface="+mn-cs"/>
+      </a:defRPr>
+    </a:lvl5pPr>
+    <a:lvl6pPr marL="2286000" algn="l" defTabSz="914400" rtl="0" eaLnBrk="1" latinLnBrk="0" hangingPunct="1">
+      <a:defRPr sz="1200" kern="1200">
+        <a:solidFill>
+          <a:schemeClr val="tx1"/>
+        </a:solidFill>
+        <a:latin typeface="+mn-lt"/>
+        <a:ea typeface="+mn-ea"/>
+        <a:cs typeface="+mn-cs"/>
+      </a:defRPr>
+    </a:lvl6pPr>
+    <a:lvl7pPr marL="2743200" algn="l" defTabSz="914400" rtl="0" eaLnBrk="1" latinLnBrk="0" hangingPunct="1">
+      <a:defRPr sz="1200" kern="1200">
+        <a:solidFill>
+          <a:schemeClr val="tx1"/>
+        </a:solidFill>
+        <a:latin typeface="+mn-lt"/>
+        <a:ea typeface="+mn-ea"/>
+        <a:cs typeface="+mn-cs"/>
+      </a:defRPr>
+    </a:lvl7pPr>
+    <a:lvl8pPr marL="3200400" algn="l" defTabSz="914400" rtl="0" eaLnBrk="1" latinLnBrk="0" hangingPunct="1">
+      <a:defRPr sz="1200" kern="1200">
+        <a:solidFill>
+          <a:schemeClr val="tx1"/>
+        </a:solidFill>
+        <a:latin typeface="+mn-lt"/>
+        <a:ea typeface="+mn-ea"/>
+        <a:cs typeface="+mn-cs"/>
+      </a:defRPr>
+    </a:lvl8pPr>
+    <a:lvl9pPr marL="3657600" algn="l" defTabSz="914400" rtl="0" eaLnBrk="1" latinLnBrk="0" hangingPunct="1">
+      <a:defRPr sz="1200" kern="1200">
+        <a:solidFill>
+          <a:schemeClr val="tx1"/>
+        </a:solidFill>
+        <a:latin typeface="+mn-lt"/>
+        <a:ea typeface="+mn-ea"/>
+        <a:cs typeface="+mn-cs"/>
+      </a:defRPr>
+    </a:lvl9pPr>
+  </p:notesStyle>
+</p:notesMaster>
+</file>
+
+<file path=ppt/notesSlides/notesSlide1.xml><?xml version="1.0" encoding="utf-8"?>
+<p:notes xmlns:a="http://schemas.openxmlformats.org/drawingml/2006/main" xmlns:r="http://schemas.openxmlformats.org/officeDocument/2006/relationships" xmlns:p="http://schemas.openxmlformats.org/presentationml/2006/main">
+  <p:cSld>
+    <p:spTree>
+      <p:nvGrpSpPr>
+        <p:cNvPr id="1" name=""/>
+        <p:cNvGrpSpPr/>
+        <p:nvPr/>
+      </p:nvGrpSpPr>
+      <p:grpSpPr>
+        <a:xfrm>
+          <a:off x="0" y="0"/>
+          <a:ext cx="0" cy="0"/>
+          <a:chOff x="0" y="0"/>
+          <a:chExt cx="0" cy="0"/>
+        </a:xfrm>
+      </p:grpSpPr>
+      <p:sp>
+        <p:nvSpPr>
+          <p:cNvPr id="2" name="Slide Image Placeholder 1"/>
+          <p:cNvSpPr>
+            <a:spLocks noGrp="1" noRot="1" noChangeAspect="1"/>
+          </p:cNvSpPr>
+          <p:nvPr>
+            <p:ph type="sldImg"/>
+          </p:nvPr>
+        </p:nvSpPr>
+        <p:spPr/>
+      </p:sp>
+      <p:sp>
+        <p:nvSpPr>
+          <p:cNvPr id="3" name="Notes Placeholder 2"/>
+          <p:cNvSpPr>
+            <a:spLocks noGrp="1"/>
+          </p:cNvSpPr>
+          <p:nvPr>
+            <p:ph type="body" idx="1"/>
+          </p:nvPr>
+        </p:nvSpPr>
+        <p:spPr/>
+        <p:txBody>
+          <a:bodyPr/>
+          <a:lstStyle/>
+          <a:p>
+            <a:r>
+              <a:rPr lang="en-GB" dirty="0"/>
+              <a:t>This talk is about running desktop applications on </a:t>
+            </a:r>
+            <a:r>
+              <a:rPr lang="en-GB" dirty="0" err="1"/>
+              <a:t>.Net</a:t>
+            </a:r>
+            <a:r>
+              <a:rPr lang="en-GB" dirty="0"/>
+              <a:t> Core 3.  Why would we want to do that?</a:t>
+            </a:r>
+          </a:p>
+        </p:txBody>
+      </p:sp>
+      <p:sp>
+        <p:nvSpPr>
+          <p:cNvPr id="4" name="Slide Number Placeholder 3"/>
+          <p:cNvSpPr>
+            <a:spLocks noGrp="1"/>
+          </p:cNvSpPr>
+          <p:nvPr>
+            <p:ph type="sldNum" sz="quarter" idx="5"/>
+          </p:nvPr>
+        </p:nvSpPr>
+        <p:spPr/>
+        <p:txBody>
+          <a:bodyPr/>
+          <a:lstStyle/>
+          <a:p>
+            <a:fld id="{E972E99C-92EF-45A1-B809-4F091E17A148}" type="slidenum">
+              <a:rPr lang="en-GB" smtClean="0"/>
+              <a:t>3</a:t>
+            </a:fld>
+            <a:endParaRPr lang="en-GB"/>
+          </a:p>
+        </p:txBody>
+      </p:sp>
+    </p:spTree>
+    <p:extLst>
+      <p:ext uri="{BB962C8B-B14F-4D97-AF65-F5344CB8AC3E}">
+        <p14:creationId xmlns:p14="http://schemas.microsoft.com/office/powerpoint/2010/main" val="1552072196"/>
+      </p:ext>
+    </p:extLst>
+  </p:cSld>
+  <p:clrMapOvr>
+    <a:masterClrMapping/>
+  </p:clrMapOvr>
+</p:notes>
+</file>
+
+<file path=ppt/notesSlides/notesSlide2.xml><?xml version="1.0" encoding="utf-8"?>
+<p:notes xmlns:a="http://schemas.openxmlformats.org/drawingml/2006/main" xmlns:r="http://schemas.openxmlformats.org/officeDocument/2006/relationships" xmlns:p="http://schemas.openxmlformats.org/presentationml/2006/main">
+  <p:cSld>
+    <p:spTree>
+      <p:nvGrpSpPr>
+        <p:cNvPr id="1" name=""/>
+        <p:cNvGrpSpPr/>
+        <p:nvPr/>
+      </p:nvGrpSpPr>
+      <p:grpSpPr>
+        <a:xfrm>
+          <a:off x="0" y="0"/>
+          <a:ext cx="0" cy="0"/>
+          <a:chOff x="0" y="0"/>
+          <a:chExt cx="0" cy="0"/>
+        </a:xfrm>
+      </p:grpSpPr>
+      <p:sp>
+        <p:nvSpPr>
+          <p:cNvPr id="2" name="Slide Image Placeholder 1"/>
+          <p:cNvSpPr>
+            <a:spLocks noGrp="1" noRot="1" noChangeAspect="1"/>
+          </p:cNvSpPr>
+          <p:nvPr>
+            <p:ph type="sldImg"/>
+          </p:nvPr>
+        </p:nvSpPr>
+        <p:spPr/>
+      </p:sp>
+      <p:sp>
+        <p:nvSpPr>
+          <p:cNvPr id="3" name="Notes Placeholder 2"/>
+          <p:cNvSpPr>
+            <a:spLocks noGrp="1"/>
+          </p:cNvSpPr>
+          <p:nvPr>
+            <p:ph type="body" idx="1"/>
+          </p:nvPr>
+        </p:nvSpPr>
+        <p:spPr/>
+        <p:txBody>
+          <a:bodyPr/>
+          <a:lstStyle/>
+          <a:p>
+            <a:r>
+              <a:rPr lang="en-GB" dirty="0"/>
+              <a:t>You may have legacy apps running on earlier versions of the framework</a:t>
+            </a:r>
+          </a:p>
+        </p:txBody>
+      </p:sp>
+      <p:sp>
+        <p:nvSpPr>
+          <p:cNvPr id="4" name="Slide Number Placeholder 3"/>
+          <p:cNvSpPr>
+            <a:spLocks noGrp="1"/>
+          </p:cNvSpPr>
+          <p:nvPr>
+            <p:ph type="sldNum" sz="quarter" idx="5"/>
+          </p:nvPr>
+        </p:nvSpPr>
+        <p:spPr/>
+        <p:txBody>
+          <a:bodyPr/>
+          <a:lstStyle/>
+          <a:p>
+            <a:fld id="{E972E99C-92EF-45A1-B809-4F091E17A148}" type="slidenum">
+              <a:rPr lang="en-GB" smtClean="0"/>
+              <a:t>4</a:t>
+            </a:fld>
+            <a:endParaRPr lang="en-GB"/>
+          </a:p>
+        </p:txBody>
+      </p:sp>
+    </p:spTree>
+    <p:extLst>
+      <p:ext uri="{BB962C8B-B14F-4D97-AF65-F5344CB8AC3E}">
+        <p14:creationId xmlns:p14="http://schemas.microsoft.com/office/powerpoint/2010/main" val="2391160523"/>
+      </p:ext>
+    </p:extLst>
+  </p:cSld>
+  <p:clrMapOvr>
+    <a:masterClrMapping/>
+  </p:clrMapOvr>
+</p:notes>
+</file>
+
+<file path=ppt/notesSlides/notesSlide3.xml><?xml version="1.0" encoding="utf-8"?>
+<p:notes xmlns:a="http://schemas.openxmlformats.org/drawingml/2006/main" xmlns:r="http://schemas.openxmlformats.org/officeDocument/2006/relationships" xmlns:p="http://schemas.openxmlformats.org/presentationml/2006/main">
+  <p:cSld>
+    <p:spTree>
+      <p:nvGrpSpPr>
+        <p:cNvPr id="1" name=""/>
+        <p:cNvGrpSpPr/>
+        <p:nvPr/>
+      </p:nvGrpSpPr>
+      <p:grpSpPr>
+        <a:xfrm>
+          <a:off x="0" y="0"/>
+          <a:ext cx="0" cy="0"/>
+          <a:chOff x="0" y="0"/>
+          <a:chExt cx="0" cy="0"/>
+        </a:xfrm>
+      </p:grpSpPr>
+      <p:sp>
+        <p:nvSpPr>
+          <p:cNvPr id="2" name="Slide Image Placeholder 1"/>
+          <p:cNvSpPr>
+            <a:spLocks noGrp="1" noRot="1" noChangeAspect="1"/>
+          </p:cNvSpPr>
+          <p:nvPr>
+            <p:ph type="sldImg"/>
+          </p:nvPr>
+        </p:nvSpPr>
+        <p:spPr/>
+      </p:sp>
+      <p:sp>
+        <p:nvSpPr>
+          <p:cNvPr id="3" name="Notes Placeholder 2"/>
+          <p:cNvSpPr>
+            <a:spLocks noGrp="1"/>
+          </p:cNvSpPr>
+          <p:nvPr>
+            <p:ph type="body" idx="1"/>
+          </p:nvPr>
+        </p:nvSpPr>
+        <p:spPr/>
+        <p:txBody>
+          <a:bodyPr/>
+          <a:lstStyle/>
+          <a:p>
+            <a:r>
+              <a:rPr lang="en-GB" dirty="0"/>
+              <a:t>Selling the desktop</a:t>
+            </a:r>
+          </a:p>
+        </p:txBody>
+      </p:sp>
+      <p:sp>
+        <p:nvSpPr>
+          <p:cNvPr id="4" name="Slide Number Placeholder 3"/>
+          <p:cNvSpPr>
+            <a:spLocks noGrp="1"/>
+          </p:cNvSpPr>
+          <p:nvPr>
+            <p:ph type="sldNum" sz="quarter" idx="5"/>
+          </p:nvPr>
+        </p:nvSpPr>
+        <p:spPr/>
+        <p:txBody>
+          <a:bodyPr/>
+          <a:lstStyle/>
+          <a:p>
+            <a:fld id="{E972E99C-92EF-45A1-B809-4F091E17A148}" type="slidenum">
+              <a:rPr lang="en-GB" smtClean="0"/>
+              <a:t>5</a:t>
+            </a:fld>
+            <a:endParaRPr lang="en-GB"/>
+          </a:p>
+        </p:txBody>
+      </p:sp>
+    </p:spTree>
+    <p:extLst>
+      <p:ext uri="{BB962C8B-B14F-4D97-AF65-F5344CB8AC3E}">
+        <p14:creationId xmlns:p14="http://schemas.microsoft.com/office/powerpoint/2010/main" val="2756147120"/>
+      </p:ext>
+    </p:extLst>
+  </p:cSld>
+  <p:clrMapOvr>
+    <a:masterClrMapping/>
+  </p:clrMapOvr>
+</p:notes>
+</file>
+
+<file path=ppt/notesSlides/notesSlide4.xml><?xml version="1.0" encoding="utf-8"?>
+<p:notes xmlns:a="http://schemas.openxmlformats.org/drawingml/2006/main" xmlns:r="http://schemas.openxmlformats.org/officeDocument/2006/relationships" xmlns:p="http://schemas.openxmlformats.org/presentationml/2006/main">
+  <p:cSld>
+    <p:spTree>
+      <p:nvGrpSpPr>
+        <p:cNvPr id="1" name=""/>
+        <p:cNvGrpSpPr/>
+        <p:nvPr/>
+      </p:nvGrpSpPr>
+      <p:grpSpPr>
+        <a:xfrm>
+          <a:off x="0" y="0"/>
+          <a:ext cx="0" cy="0"/>
+          <a:chOff x="0" y="0"/>
+          <a:chExt cx="0" cy="0"/>
+        </a:xfrm>
+      </p:grpSpPr>
+      <p:sp>
+        <p:nvSpPr>
+          <p:cNvPr id="2" name="Slide Image Placeholder 1"/>
+          <p:cNvSpPr>
+            <a:spLocks noGrp="1" noRot="1" noChangeAspect="1"/>
+          </p:cNvSpPr>
+          <p:nvPr>
+            <p:ph type="sldImg"/>
+          </p:nvPr>
+        </p:nvSpPr>
+        <p:spPr/>
+      </p:sp>
+      <p:sp>
+        <p:nvSpPr>
+          <p:cNvPr id="3" name="Notes Placeholder 2"/>
+          <p:cNvSpPr>
+            <a:spLocks noGrp="1"/>
+          </p:cNvSpPr>
+          <p:nvPr>
+            <p:ph type="body" idx="1"/>
+          </p:nvPr>
+        </p:nvSpPr>
+        <p:spPr/>
+        <p:txBody>
+          <a:bodyPr/>
+          <a:lstStyle/>
+          <a:p>
+            <a:pPr marL="228600" indent="-228600">
+              <a:buAutoNum type="arabicPeriod"/>
+            </a:pPr>
+            <a:r>
+              <a:rPr lang="en-GB" dirty="0"/>
+              <a:t>Show </a:t>
+            </a:r>
+            <a:r>
+              <a:rPr lang="en-GB" dirty="0" err="1"/>
+              <a:t>GenerateLargeFiles</a:t>
+            </a:r>
+            <a:endParaRPr lang="en-GB" dirty="0"/>
+          </a:p>
+          <a:p>
+            <a:pPr marL="685800" lvl="1" indent="-228600">
+              <a:buAutoNum type="arabicPeriod"/>
+            </a:pPr>
+            <a:r>
+              <a:rPr lang="en-GB" dirty="0"/>
+              <a:t>Helpers</a:t>
+            </a:r>
+          </a:p>
+          <a:p>
+            <a:pPr marL="228600" lvl="0" indent="-228600">
+              <a:buAutoNum type="arabicPeriod"/>
+            </a:pPr>
+            <a:endParaRPr lang="en-GB" dirty="0"/>
+          </a:p>
+        </p:txBody>
+      </p:sp>
+      <p:sp>
+        <p:nvSpPr>
+          <p:cNvPr id="4" name="Slide Number Placeholder 3"/>
+          <p:cNvSpPr>
+            <a:spLocks noGrp="1"/>
+          </p:cNvSpPr>
+          <p:nvPr>
+            <p:ph type="sldNum" sz="quarter" idx="5"/>
+          </p:nvPr>
+        </p:nvSpPr>
+        <p:spPr/>
+        <p:txBody>
+          <a:bodyPr/>
+          <a:lstStyle/>
+          <a:p>
+            <a:fld id="{E972E99C-92EF-45A1-B809-4F091E17A148}" type="slidenum">
+              <a:rPr lang="en-GB" smtClean="0"/>
+              <a:t>7</a:t>
+            </a:fld>
+            <a:endParaRPr lang="en-GB"/>
+          </a:p>
+        </p:txBody>
+      </p:sp>
+    </p:spTree>
+    <p:extLst>
+      <p:ext uri="{BB962C8B-B14F-4D97-AF65-F5344CB8AC3E}">
+        <p14:creationId xmlns:p14="http://schemas.microsoft.com/office/powerpoint/2010/main" val="2105986868"/>
+      </p:ext>
+    </p:extLst>
+  </p:cSld>
+  <p:clrMapOvr>
+    <a:masterClrMapping/>
+  </p:clrMapOvr>
+</p:notes>
+</file>
+
+<file path=ppt/notesSlides/notesSlide5.xml><?xml version="1.0" encoding="utf-8"?>
+<p:notes xmlns:a="http://schemas.openxmlformats.org/drawingml/2006/main" xmlns:r="http://schemas.openxmlformats.org/officeDocument/2006/relationships" xmlns:p="http://schemas.openxmlformats.org/presentationml/2006/main">
+  <p:cSld>
+    <p:spTree>
+      <p:nvGrpSpPr>
+        <p:cNvPr id="1" name=""/>
+        <p:cNvGrpSpPr/>
+        <p:nvPr/>
+      </p:nvGrpSpPr>
+      <p:grpSpPr>
+        <a:xfrm>
+          <a:off x="0" y="0"/>
+          <a:ext cx="0" cy="0"/>
+          <a:chOff x="0" y="0"/>
+          <a:chExt cx="0" cy="0"/>
+        </a:xfrm>
+      </p:grpSpPr>
+      <p:sp>
+        <p:nvSpPr>
+          <p:cNvPr id="2" name="Slide Image Placeholder 1"/>
+          <p:cNvSpPr>
+            <a:spLocks noGrp="1" noRot="1" noChangeAspect="1"/>
+          </p:cNvSpPr>
+          <p:nvPr>
+            <p:ph type="sldImg"/>
+          </p:nvPr>
+        </p:nvSpPr>
+        <p:spPr/>
+      </p:sp>
+      <p:sp>
+        <p:nvSpPr>
+          <p:cNvPr id="3" name="Notes Placeholder 2"/>
+          <p:cNvSpPr>
+            <a:spLocks noGrp="1"/>
+          </p:cNvSpPr>
+          <p:nvPr>
+            <p:ph type="body" idx="1"/>
+          </p:nvPr>
+        </p:nvSpPr>
+        <p:spPr/>
+        <p:txBody>
+          <a:bodyPr/>
+          <a:lstStyle/>
+          <a:p>
+            <a:r>
+              <a:rPr lang="en-GB" dirty="0"/>
+              <a:t>Every WPF App seems to be a kiosk application</a:t>
+            </a:r>
+          </a:p>
+        </p:txBody>
+      </p:sp>
+      <p:sp>
+        <p:nvSpPr>
+          <p:cNvPr id="4" name="Slide Number Placeholder 3"/>
+          <p:cNvSpPr>
+            <a:spLocks noGrp="1"/>
+          </p:cNvSpPr>
+          <p:nvPr>
+            <p:ph type="sldNum" sz="quarter" idx="5"/>
+          </p:nvPr>
+        </p:nvSpPr>
+        <p:spPr/>
+        <p:txBody>
+          <a:bodyPr/>
+          <a:lstStyle/>
+          <a:p>
+            <a:fld id="{E972E99C-92EF-45A1-B809-4F091E17A148}" type="slidenum">
+              <a:rPr lang="en-GB" smtClean="0"/>
+              <a:t>10</a:t>
+            </a:fld>
+            <a:endParaRPr lang="en-GB"/>
+          </a:p>
+        </p:txBody>
+      </p:sp>
+    </p:spTree>
+    <p:extLst>
+      <p:ext uri="{BB962C8B-B14F-4D97-AF65-F5344CB8AC3E}">
+        <p14:creationId xmlns:p14="http://schemas.microsoft.com/office/powerpoint/2010/main" val="2895611363"/>
+      </p:ext>
+    </p:extLst>
+  </p:cSld>
+  <p:clrMapOvr>
+    <a:masterClrMapping/>
+  </p:clrMapOvr>
+</p:notes>
+</file>
+
 <file path=ppt/slideLayouts/slideLayout1.xml><?xml version="1.0" encoding="utf-8"?>
 <p:sldLayout xmlns:a="http://schemas.openxmlformats.org/drawingml/2006/main" xmlns:r="http://schemas.openxmlformats.org/officeDocument/2006/relationships" xmlns:p="http://schemas.openxmlformats.org/presentationml/2006/main" showMasterSp="0" type="title" preserve="1">
   <p:cSld name="Title Slide">
@@ -343,7 +1181,7 @@
           <a:p>
             <a:fld id="{AB749088-CA4E-4860-A3DC-6FB52878F2B1}" type="datetimeFigureOut">
               <a:rPr lang="en-GB" smtClean="0"/>
-              <a:t>29/09/2019</a:t>
+              <a:t>10/10/2019</a:t>
             </a:fld>
             <a:endParaRPr lang="en-GB"/>
           </a:p>
@@ -551,7 +1389,7 @@
           <a:p>
             <a:fld id="{AB749088-CA4E-4860-A3DC-6FB52878F2B1}" type="datetimeFigureOut">
               <a:rPr lang="en-GB" smtClean="0"/>
-              <a:t>29/09/2019</a:t>
+              <a:t>10/10/2019</a:t>
             </a:fld>
             <a:endParaRPr lang="en-GB"/>
           </a:p>
@@ -807,7 +1645,7 @@
           <a:p>
             <a:fld id="{AB749088-CA4E-4860-A3DC-6FB52878F2B1}" type="datetimeFigureOut">
               <a:rPr lang="en-GB" smtClean="0"/>
-              <a:t>29/09/2019</a:t>
+              <a:t>10/10/2019</a:t>
             </a:fld>
             <a:endParaRPr lang="en-GB"/>
           </a:p>
@@ -981,7 +1819,7 @@
           <a:p>
             <a:fld id="{AB749088-CA4E-4860-A3DC-6FB52878F2B1}" type="datetimeFigureOut">
               <a:rPr lang="en-GB" smtClean="0"/>
-              <a:t>29/09/2019</a:t>
+              <a:t>10/10/2019</a:t>
             </a:fld>
             <a:endParaRPr lang="en-GB"/>
           </a:p>
@@ -1324,7 +2162,7 @@
           <a:p>
             <a:fld id="{AB749088-CA4E-4860-A3DC-6FB52878F2B1}" type="datetimeFigureOut">
               <a:rPr lang="en-GB" smtClean="0"/>
-              <a:t>29/09/2019</a:t>
+              <a:t>10/10/2019</a:t>
             </a:fld>
             <a:endParaRPr lang="en-GB"/>
           </a:p>
@@ -1599,7 +2437,7 @@
           <a:p>
             <a:fld id="{AB749088-CA4E-4860-A3DC-6FB52878F2B1}" type="datetimeFigureOut">
               <a:rPr lang="en-GB" smtClean="0"/>
-              <a:t>29/09/2019</a:t>
+              <a:t>10/10/2019</a:t>
             </a:fld>
             <a:endParaRPr lang="en-GB"/>
           </a:p>
@@ -1978,7 +2816,7 @@
           <a:p>
             <a:fld id="{AB749088-CA4E-4860-A3DC-6FB52878F2B1}" type="datetimeFigureOut">
               <a:rPr lang="en-GB" smtClean="0"/>
-              <a:t>29/09/2019</a:t>
+              <a:t>10/10/2019</a:t>
             </a:fld>
             <a:endParaRPr lang="en-GB"/>
           </a:p>
@@ -2096,7 +2934,7 @@
           <a:p>
             <a:fld id="{AB749088-CA4E-4860-A3DC-6FB52878F2B1}" type="datetimeFigureOut">
               <a:rPr lang="en-GB" smtClean="0"/>
-              <a:t>29/09/2019</a:t>
+              <a:t>10/10/2019</a:t>
             </a:fld>
             <a:endParaRPr lang="en-GB"/>
           </a:p>
@@ -2267,7 +3105,7 @@
           <a:p>
             <a:fld id="{AB749088-CA4E-4860-A3DC-6FB52878F2B1}" type="datetimeFigureOut">
               <a:rPr lang="en-GB" smtClean="0"/>
-              <a:t>29/09/2019</a:t>
+              <a:t>10/10/2019</a:t>
             </a:fld>
             <a:endParaRPr lang="en-GB"/>
           </a:p>
@@ -2621,7 +3459,7 @@
           <a:p>
             <a:fld id="{AB749088-CA4E-4860-A3DC-6FB52878F2B1}" type="datetimeFigureOut">
               <a:rPr lang="en-GB" smtClean="0"/>
-              <a:t>29/09/2019</a:t>
+              <a:t>10/10/2019</a:t>
             </a:fld>
             <a:endParaRPr lang="en-GB"/>
           </a:p>
@@ -3003,7 +3841,7 @@
           <a:p>
             <a:fld id="{AB749088-CA4E-4860-A3DC-6FB52878F2B1}" type="datetimeFigureOut">
               <a:rPr lang="en-GB" smtClean="0"/>
-              <a:t>29/09/2019</a:t>
+              <a:t>10/10/2019</a:t>
             </a:fld>
             <a:endParaRPr lang="en-GB"/>
           </a:p>
@@ -3290,7 +4128,7 @@
           <a:p>
             <a:fld id="{AB749088-CA4E-4860-A3DC-6FB52878F2B1}" type="datetimeFigureOut">
               <a:rPr lang="en-GB" smtClean="0"/>
-              <a:t>29/09/2019</a:t>
+              <a:t>10/10/2019</a:t>
             </a:fld>
             <a:endParaRPr lang="en-GB"/>
           </a:p>
@@ -3895,6 +4733,569 @@
 </p:sld>
 </file>
 
+<file path=ppt/slides/slide10.xml><?xml version="1.0" encoding="utf-8"?>
+<p:sld xmlns:a="http://schemas.openxmlformats.org/drawingml/2006/main" xmlns:r="http://schemas.openxmlformats.org/officeDocument/2006/relationships" xmlns:p="http://schemas.openxmlformats.org/presentationml/2006/main">
+  <p:cSld>
+    <p:spTree>
+      <p:nvGrpSpPr>
+        <p:cNvPr id="1" name=""/>
+        <p:cNvGrpSpPr/>
+        <p:nvPr/>
+      </p:nvGrpSpPr>
+      <p:grpSpPr>
+        <a:xfrm>
+          <a:off x="0" y="0"/>
+          <a:ext cx="0" cy="0"/>
+          <a:chOff x="0" y="0"/>
+          <a:chExt cx="0" cy="0"/>
+        </a:xfrm>
+      </p:grpSpPr>
+      <p:sp>
+        <p:nvSpPr>
+          <p:cNvPr id="2" name="Title 1">
+            <a:extLst>
+              <a:ext uri="{FF2B5EF4-FFF2-40B4-BE49-F238E27FC236}">
+                <a16:creationId xmlns:a16="http://schemas.microsoft.com/office/drawing/2014/main" id="{D5AD3135-61BE-415B-9C71-363DA2ED28A3}"/>
+              </a:ext>
+            </a:extLst>
+          </p:cNvPr>
+          <p:cNvSpPr>
+            <a:spLocks noGrp="1"/>
+          </p:cNvSpPr>
+          <p:nvPr>
+            <p:ph type="title"/>
+          </p:nvPr>
+        </p:nvSpPr>
+        <p:spPr/>
+        <p:txBody>
+          <a:bodyPr/>
+          <a:lstStyle/>
+          <a:p>
+            <a:r>
+              <a:rPr lang="en-GB" dirty="0"/>
+              <a:t>WPF – The Kiosk Application</a:t>
+            </a:r>
+          </a:p>
+        </p:txBody>
+      </p:sp>
+      <p:sp>
+        <p:nvSpPr>
+          <p:cNvPr id="4" name="Text Placeholder 3">
+            <a:extLst>
+              <a:ext uri="{FF2B5EF4-FFF2-40B4-BE49-F238E27FC236}">
+                <a16:creationId xmlns:a16="http://schemas.microsoft.com/office/drawing/2014/main" id="{096F6C7E-6BFD-447E-BCBC-BB6767CEA51C}"/>
+              </a:ext>
+            </a:extLst>
+          </p:cNvPr>
+          <p:cNvSpPr>
+            <a:spLocks noGrp="1"/>
+          </p:cNvSpPr>
+          <p:nvPr>
+            <p:ph type="body" idx="1"/>
+          </p:nvPr>
+        </p:nvSpPr>
+        <p:spPr/>
+        <p:txBody>
+          <a:bodyPr/>
+          <a:lstStyle/>
+          <a:p>
+            <a:r>
+              <a:rPr lang="en-GB" dirty="0"/>
+              <a:t>WPF is cool isn’t it?</a:t>
+            </a:r>
+          </a:p>
+        </p:txBody>
+      </p:sp>
+      <p:sp>
+        <p:nvSpPr>
+          <p:cNvPr id="5" name="Content Placeholder 4">
+            <a:extLst>
+              <a:ext uri="{FF2B5EF4-FFF2-40B4-BE49-F238E27FC236}">
+                <a16:creationId xmlns:a16="http://schemas.microsoft.com/office/drawing/2014/main" id="{B8673EE5-8446-4E54-849D-D64FBE400BC2}"/>
+              </a:ext>
+            </a:extLst>
+          </p:cNvPr>
+          <p:cNvSpPr>
+            <a:spLocks noGrp="1"/>
+          </p:cNvSpPr>
+          <p:nvPr>
+            <p:ph sz="half" idx="2"/>
+          </p:nvPr>
+        </p:nvSpPr>
+        <p:spPr/>
+        <p:txBody>
+          <a:bodyPr/>
+          <a:lstStyle/>
+          <a:p>
+            <a:pPr>
+              <a:buFont typeface="Wingdings" panose="05000000000000000000" pitchFamily="2" charset="2"/>
+              <a:buChar char="Ø"/>
+            </a:pPr>
+            <a:r>
+              <a:rPr lang="en-GB" dirty="0"/>
+              <a:t> </a:t>
+            </a:r>
+            <a:r>
+              <a:rPr lang="en-GB" dirty="0" err="1"/>
+              <a:t>Xaml</a:t>
+            </a:r>
+            <a:r>
+              <a:rPr lang="en-GB" dirty="0"/>
+              <a:t> (XML is the language that Json could have been!)</a:t>
+            </a:r>
+          </a:p>
+          <a:p>
+            <a:pPr lvl="1">
+              <a:buFont typeface="Wingdings" panose="05000000000000000000" pitchFamily="2" charset="2"/>
+              <a:buChar char="Ø"/>
+            </a:pPr>
+            <a:r>
+              <a:rPr lang="en-GB" dirty="0"/>
+              <a:t>Similar to UWP and Xamarin </a:t>
+            </a:r>
+            <a:r>
+              <a:rPr lang="en-GB" dirty="0" err="1"/>
+              <a:t>Xaml</a:t>
+            </a:r>
+            <a:endParaRPr lang="en-GB" dirty="0"/>
+          </a:p>
+          <a:p>
+            <a:pPr lvl="1">
+              <a:buFont typeface="Wingdings" panose="05000000000000000000" pitchFamily="2" charset="2"/>
+              <a:buChar char="Ø"/>
+            </a:pPr>
+            <a:r>
+              <a:rPr lang="en-GB" dirty="0" err="1"/>
+              <a:t>Xaml</a:t>
+            </a:r>
+            <a:r>
+              <a:rPr lang="en-GB" dirty="0"/>
+              <a:t> standards are supposed to be aligning</a:t>
+            </a:r>
+          </a:p>
+          <a:p>
+            <a:pPr>
+              <a:buFont typeface="Wingdings" panose="05000000000000000000" pitchFamily="2" charset="2"/>
+              <a:buChar char="Ø"/>
+            </a:pPr>
+            <a:r>
+              <a:rPr lang="en-GB" dirty="0"/>
+              <a:t> Binding (features)</a:t>
+            </a:r>
+          </a:p>
+          <a:p>
+            <a:pPr>
+              <a:buFont typeface="Wingdings" panose="05000000000000000000" pitchFamily="2" charset="2"/>
+              <a:buChar char="Ø"/>
+            </a:pPr>
+            <a:r>
+              <a:rPr lang="en-GB" dirty="0"/>
+              <a:t> Testability (Compared to WinForms!)</a:t>
+            </a:r>
+          </a:p>
+          <a:p>
+            <a:pPr>
+              <a:buFont typeface="Wingdings" panose="05000000000000000000" pitchFamily="2" charset="2"/>
+              <a:buChar char="Ø"/>
+            </a:pPr>
+            <a:r>
+              <a:rPr lang="en-GB" dirty="0"/>
+              <a:t> MVVM</a:t>
+            </a:r>
+          </a:p>
+          <a:p>
+            <a:pPr>
+              <a:buFont typeface="Wingdings" panose="05000000000000000000" pitchFamily="2" charset="2"/>
+              <a:buChar char="Ø"/>
+            </a:pPr>
+            <a:r>
+              <a:rPr lang="en-GB" dirty="0"/>
+              <a:t> Can be (sort of) cross platform</a:t>
+            </a:r>
+          </a:p>
+          <a:p>
+            <a:pPr>
+              <a:buFont typeface="Wingdings" panose="05000000000000000000" pitchFamily="2" charset="2"/>
+              <a:buChar char="Ø"/>
+            </a:pPr>
+            <a:endParaRPr lang="en-GB" dirty="0"/>
+          </a:p>
+        </p:txBody>
+      </p:sp>
+      <p:sp>
+        <p:nvSpPr>
+          <p:cNvPr id="6" name="Text Placeholder 5">
+            <a:extLst>
+              <a:ext uri="{FF2B5EF4-FFF2-40B4-BE49-F238E27FC236}">
+                <a16:creationId xmlns:a16="http://schemas.microsoft.com/office/drawing/2014/main" id="{0BAFD019-888F-4CB2-9E67-98E9BC2B2CE6}"/>
+              </a:ext>
+            </a:extLst>
+          </p:cNvPr>
+          <p:cNvSpPr>
+            <a:spLocks noGrp="1"/>
+          </p:cNvSpPr>
+          <p:nvPr>
+            <p:ph type="body" sz="quarter" idx="3"/>
+          </p:nvPr>
+        </p:nvSpPr>
+        <p:spPr/>
+        <p:txBody>
+          <a:bodyPr/>
+          <a:lstStyle/>
+          <a:p>
+            <a:r>
+              <a:rPr lang="en-GB" dirty="0"/>
+              <a:t>It was</a:t>
+            </a:r>
+          </a:p>
+        </p:txBody>
+      </p:sp>
+      <p:sp>
+        <p:nvSpPr>
+          <p:cNvPr id="7" name="Content Placeholder 6">
+            <a:extLst>
+              <a:ext uri="{FF2B5EF4-FFF2-40B4-BE49-F238E27FC236}">
+                <a16:creationId xmlns:a16="http://schemas.microsoft.com/office/drawing/2014/main" id="{1FF82894-312B-47D5-AAF1-0FFB7ECA5989}"/>
+              </a:ext>
+            </a:extLst>
+          </p:cNvPr>
+          <p:cNvSpPr>
+            <a:spLocks noGrp="1"/>
+          </p:cNvSpPr>
+          <p:nvPr>
+            <p:ph sz="quarter" idx="4"/>
+          </p:nvPr>
+        </p:nvSpPr>
+        <p:spPr/>
+        <p:txBody>
+          <a:bodyPr/>
+          <a:lstStyle/>
+          <a:p>
+            <a:pPr>
+              <a:buFont typeface="Wingdings" panose="05000000000000000000" pitchFamily="2" charset="2"/>
+              <a:buChar char="Ø"/>
+            </a:pPr>
+            <a:r>
+              <a:rPr lang="en-GB" dirty="0"/>
+              <a:t> </a:t>
+            </a:r>
+            <a:r>
+              <a:rPr lang="en-GB" dirty="0" err="1"/>
+              <a:t>INotifyPropertyChanged</a:t>
+            </a:r>
+            <a:endParaRPr lang="en-GB" dirty="0"/>
+          </a:p>
+          <a:p>
+            <a:pPr>
+              <a:buFont typeface="Wingdings" panose="05000000000000000000" pitchFamily="2" charset="2"/>
+              <a:buChar char="Ø"/>
+            </a:pPr>
+            <a:r>
+              <a:rPr lang="en-GB" dirty="0"/>
+              <a:t> Binding (complexity)</a:t>
+            </a:r>
+          </a:p>
+          <a:p>
+            <a:pPr>
+              <a:buFont typeface="Wingdings" panose="05000000000000000000" pitchFamily="2" charset="2"/>
+              <a:buChar char="Ø"/>
+            </a:pPr>
+            <a:r>
+              <a:rPr lang="en-GB" dirty="0"/>
+              <a:t> Resources</a:t>
+            </a:r>
+          </a:p>
+          <a:p>
+            <a:pPr>
+              <a:buFont typeface="Wingdings" panose="05000000000000000000" pitchFamily="2" charset="2"/>
+              <a:buChar char="Ø"/>
+            </a:pPr>
+            <a:r>
+              <a:rPr lang="en-GB" dirty="0"/>
+              <a:t> Deployment (</a:t>
+            </a:r>
+            <a:r>
+              <a:rPr lang="en-GB" dirty="0" err="1"/>
+              <a:t>ClickOnce</a:t>
+            </a:r>
+            <a:r>
+              <a:rPr lang="en-GB" dirty="0"/>
+              <a:t>)</a:t>
+            </a:r>
+          </a:p>
+        </p:txBody>
+      </p:sp>
+    </p:spTree>
+    <p:extLst>
+      <p:ext uri="{BB962C8B-B14F-4D97-AF65-F5344CB8AC3E}">
+        <p14:creationId xmlns:p14="http://schemas.microsoft.com/office/powerpoint/2010/main" val="692430709"/>
+      </p:ext>
+    </p:extLst>
+  </p:cSld>
+  <p:clrMapOvr>
+    <a:masterClrMapping/>
+  </p:clrMapOvr>
+</p:sld>
+</file>
+
+<file path=ppt/slides/slide11.xml><?xml version="1.0" encoding="utf-8"?>
+<p:sld xmlns:a="http://schemas.openxmlformats.org/drawingml/2006/main" xmlns:r="http://schemas.openxmlformats.org/officeDocument/2006/relationships" xmlns:p="http://schemas.openxmlformats.org/presentationml/2006/main">
+  <p:cSld>
+    <p:spTree>
+      <p:nvGrpSpPr>
+        <p:cNvPr id="1" name=""/>
+        <p:cNvGrpSpPr/>
+        <p:nvPr/>
+      </p:nvGrpSpPr>
+      <p:grpSpPr>
+        <a:xfrm>
+          <a:off x="0" y="0"/>
+          <a:ext cx="0" cy="0"/>
+          <a:chOff x="0" y="0"/>
+          <a:chExt cx="0" cy="0"/>
+        </a:xfrm>
+      </p:grpSpPr>
+      <p:sp>
+        <p:nvSpPr>
+          <p:cNvPr id="7" name="Title 6">
+            <a:extLst>
+              <a:ext uri="{FF2B5EF4-FFF2-40B4-BE49-F238E27FC236}">
+                <a16:creationId xmlns:a16="http://schemas.microsoft.com/office/drawing/2014/main" id="{62C2BC03-1BF1-4F73-8F0F-1A6271EE946C}"/>
+              </a:ext>
+            </a:extLst>
+          </p:cNvPr>
+          <p:cNvSpPr>
+            <a:spLocks noGrp="1"/>
+          </p:cNvSpPr>
+          <p:nvPr>
+            <p:ph type="title"/>
+          </p:nvPr>
+        </p:nvSpPr>
+        <p:spPr/>
+        <p:txBody>
+          <a:bodyPr/>
+          <a:lstStyle/>
+          <a:p>
+            <a:r>
+              <a:rPr lang="en-GB" dirty="0"/>
+              <a:t>Demo – WPF to </a:t>
+            </a:r>
+            <a:r>
+              <a:rPr lang="en-GB" dirty="0" err="1"/>
+              <a:t>.Net</a:t>
+            </a:r>
+            <a:r>
+              <a:rPr lang="en-GB" dirty="0"/>
+              <a:t> Core 3</a:t>
+            </a:r>
+          </a:p>
+        </p:txBody>
+      </p:sp>
+      <p:sp>
+        <p:nvSpPr>
+          <p:cNvPr id="8" name="Content Placeholder 7">
+            <a:extLst>
+              <a:ext uri="{FF2B5EF4-FFF2-40B4-BE49-F238E27FC236}">
+                <a16:creationId xmlns:a16="http://schemas.microsoft.com/office/drawing/2014/main" id="{CB58407C-A023-4C13-80C0-E0ADA3723724}"/>
+              </a:ext>
+            </a:extLst>
+          </p:cNvPr>
+          <p:cNvSpPr>
+            <a:spLocks noGrp="1"/>
+          </p:cNvSpPr>
+          <p:nvPr>
+            <p:ph idx="1"/>
+          </p:nvPr>
+        </p:nvSpPr>
+        <p:spPr/>
+        <p:txBody>
+          <a:bodyPr/>
+          <a:lstStyle/>
+          <a:p>
+            <a:endParaRPr lang="en-GB"/>
+          </a:p>
+        </p:txBody>
+      </p:sp>
+    </p:spTree>
+    <p:extLst>
+      <p:ext uri="{BB962C8B-B14F-4D97-AF65-F5344CB8AC3E}">
+        <p14:creationId xmlns:p14="http://schemas.microsoft.com/office/powerpoint/2010/main" val="3559227370"/>
+      </p:ext>
+    </p:extLst>
+  </p:cSld>
+  <p:clrMapOvr>
+    <a:masterClrMapping/>
+  </p:clrMapOvr>
+</p:sld>
+</file>
+
+<file path=ppt/slides/slide12.xml><?xml version="1.0" encoding="utf-8"?>
+<p:sld xmlns:a="http://schemas.openxmlformats.org/drawingml/2006/main" xmlns:r="http://schemas.openxmlformats.org/officeDocument/2006/relationships" xmlns:p="http://schemas.openxmlformats.org/presentationml/2006/main">
+  <p:cSld>
+    <p:spTree>
+      <p:nvGrpSpPr>
+        <p:cNvPr id="1" name=""/>
+        <p:cNvGrpSpPr/>
+        <p:nvPr/>
+      </p:nvGrpSpPr>
+      <p:grpSpPr>
+        <a:xfrm>
+          <a:off x="0" y="0"/>
+          <a:ext cx="0" cy="0"/>
+          <a:chOff x="0" y="0"/>
+          <a:chExt cx="0" cy="0"/>
+        </a:xfrm>
+      </p:grpSpPr>
+      <p:sp>
+        <p:nvSpPr>
+          <p:cNvPr id="9" name="Title 8">
+            <a:extLst>
+              <a:ext uri="{FF2B5EF4-FFF2-40B4-BE49-F238E27FC236}">
+                <a16:creationId xmlns:a16="http://schemas.microsoft.com/office/drawing/2014/main" id="{136D8DC5-D70F-448C-B108-7B7659741286}"/>
+              </a:ext>
+            </a:extLst>
+          </p:cNvPr>
+          <p:cNvSpPr>
+            <a:spLocks noGrp="1"/>
+          </p:cNvSpPr>
+          <p:nvPr>
+            <p:ph type="title"/>
+          </p:nvPr>
+        </p:nvSpPr>
+        <p:spPr/>
+        <p:txBody>
+          <a:bodyPr/>
+          <a:lstStyle/>
+          <a:p>
+            <a:r>
+              <a:rPr lang="en-GB" dirty="0"/>
+              <a:t>WPF – Still tech from 2006?</a:t>
+            </a:r>
+          </a:p>
+        </p:txBody>
+      </p:sp>
+      <p:sp>
+        <p:nvSpPr>
+          <p:cNvPr id="10" name="Content Placeholder 9">
+            <a:extLst>
+              <a:ext uri="{FF2B5EF4-FFF2-40B4-BE49-F238E27FC236}">
+                <a16:creationId xmlns:a16="http://schemas.microsoft.com/office/drawing/2014/main" id="{033C68EB-4AB8-48BE-844F-205D7B24E859}"/>
+              </a:ext>
+            </a:extLst>
+          </p:cNvPr>
+          <p:cNvSpPr>
+            <a:spLocks noGrp="1"/>
+          </p:cNvSpPr>
+          <p:nvPr>
+            <p:ph idx="1"/>
+          </p:nvPr>
+        </p:nvSpPr>
+        <p:spPr/>
+        <p:txBody>
+          <a:bodyPr/>
+          <a:lstStyle/>
+          <a:p>
+            <a:endParaRPr lang="en-GB"/>
+          </a:p>
+        </p:txBody>
+      </p:sp>
+    </p:spTree>
+    <p:extLst>
+      <p:ext uri="{BB962C8B-B14F-4D97-AF65-F5344CB8AC3E}">
+        <p14:creationId xmlns:p14="http://schemas.microsoft.com/office/powerpoint/2010/main" val="2659309298"/>
+      </p:ext>
+    </p:extLst>
+  </p:cSld>
+  <p:clrMapOvr>
+    <a:masterClrMapping/>
+  </p:clrMapOvr>
+</p:sld>
+</file>
+
+<file path=ppt/slides/slide13.xml><?xml version="1.0" encoding="utf-8"?>
+<p:sld xmlns:a="http://schemas.openxmlformats.org/drawingml/2006/main" xmlns:r="http://schemas.openxmlformats.org/officeDocument/2006/relationships" xmlns:p="http://schemas.openxmlformats.org/presentationml/2006/main">
+  <p:cSld>
+    <p:spTree>
+      <p:nvGrpSpPr>
+        <p:cNvPr id="1" name=""/>
+        <p:cNvGrpSpPr/>
+        <p:nvPr/>
+      </p:nvGrpSpPr>
+      <p:grpSpPr>
+        <a:xfrm>
+          <a:off x="0" y="0"/>
+          <a:ext cx="0" cy="0"/>
+          <a:chOff x="0" y="0"/>
+          <a:chExt cx="0" cy="0"/>
+        </a:xfrm>
+      </p:grpSpPr>
+      <p:sp>
+        <p:nvSpPr>
+          <p:cNvPr id="2" name="Title 1">
+            <a:extLst>
+              <a:ext uri="{FF2B5EF4-FFF2-40B4-BE49-F238E27FC236}">
+                <a16:creationId xmlns:a16="http://schemas.microsoft.com/office/drawing/2014/main" id="{E92317DB-DDCA-456E-BE4A-8B51008DF925}"/>
+              </a:ext>
+            </a:extLst>
+          </p:cNvPr>
+          <p:cNvSpPr>
+            <a:spLocks noGrp="1"/>
+          </p:cNvSpPr>
+          <p:nvPr>
+            <p:ph type="title"/>
+          </p:nvPr>
+        </p:nvSpPr>
+        <p:spPr/>
+        <p:txBody>
+          <a:bodyPr/>
+          <a:lstStyle/>
+          <a:p>
+            <a:r>
+              <a:rPr lang="en-GB"/>
+              <a:t>Demo - MSix</a:t>
+            </a:r>
+            <a:endParaRPr lang="en-GB" dirty="0"/>
+          </a:p>
+        </p:txBody>
+      </p:sp>
+      <p:sp>
+        <p:nvSpPr>
+          <p:cNvPr id="3" name="Content Placeholder 2">
+            <a:extLst>
+              <a:ext uri="{FF2B5EF4-FFF2-40B4-BE49-F238E27FC236}">
+                <a16:creationId xmlns:a16="http://schemas.microsoft.com/office/drawing/2014/main" id="{3B40AC42-381F-49D7-8E83-D98F738E4B21}"/>
+              </a:ext>
+            </a:extLst>
+          </p:cNvPr>
+          <p:cNvSpPr>
+            <a:spLocks noGrp="1"/>
+          </p:cNvSpPr>
+          <p:nvPr>
+            <p:ph idx="1"/>
+          </p:nvPr>
+        </p:nvSpPr>
+        <p:spPr/>
+        <p:txBody>
+          <a:bodyPr/>
+          <a:lstStyle/>
+          <a:p>
+            <a:endParaRPr lang="en-GB"/>
+          </a:p>
+        </p:txBody>
+      </p:sp>
+    </p:spTree>
+    <p:extLst>
+      <p:ext uri="{BB962C8B-B14F-4D97-AF65-F5344CB8AC3E}">
+        <p14:creationId xmlns:p14="http://schemas.microsoft.com/office/powerpoint/2010/main" val="123132807"/>
+      </p:ext>
+    </p:extLst>
+  </p:cSld>
+  <p:clrMapOvr>
+    <a:masterClrMapping/>
+  </p:clrMapOvr>
+</p:sld>
+</file>
+
 <file path=ppt/slides/slide2.xml><?xml version="1.0" encoding="utf-8"?>
 <p:sld xmlns:a="http://schemas.openxmlformats.org/drawingml/2006/main" xmlns:r="http://schemas.openxmlformats.org/officeDocument/2006/relationships" xmlns:p="http://schemas.openxmlformats.org/presentationml/2006/main">
   <p:cSld>
@@ -4232,7 +5633,7 @@
           <p:cNvPr id="2" name="Title 1">
             <a:extLst>
               <a:ext uri="{FF2B5EF4-FFF2-40B4-BE49-F238E27FC236}">
-                <a16:creationId xmlns:a16="http://schemas.microsoft.com/office/drawing/2014/main" id="{C291A790-23F2-43FC-AA02-0EC73C418BD9}"/>
+                <a16:creationId xmlns:a16="http://schemas.microsoft.com/office/drawing/2014/main" id="{93456D19-A9FE-4A67-946F-BE46BF72DE1C}"/>
               </a:ext>
             </a:extLst>
           </p:cNvPr>
@@ -4250,17 +5651,17 @@
           <a:p>
             <a:r>
               <a:rPr lang="en-GB" dirty="0"/>
-              <a:t>WinForms – Is it all that bad?</a:t>
-            </a:r>
-          </a:p>
-        </p:txBody>
-      </p:sp>
-      <p:sp>
-        <p:nvSpPr>
-          <p:cNvPr id="4" name="Text Placeholder 3">
+              <a:t>Still a place for desktop?</a:t>
+            </a:r>
+          </a:p>
+        </p:txBody>
+      </p:sp>
+      <p:sp>
+        <p:nvSpPr>
+          <p:cNvPr id="7" name="Content Placeholder 6">
             <a:extLst>
               <a:ext uri="{FF2B5EF4-FFF2-40B4-BE49-F238E27FC236}">
-                <a16:creationId xmlns:a16="http://schemas.microsoft.com/office/drawing/2014/main" id="{D624FA98-9DF7-4FC8-8DA1-BC3046E5FA2B}"/>
+                <a16:creationId xmlns:a16="http://schemas.microsoft.com/office/drawing/2014/main" id="{1FF69678-F8D7-45CD-A4D5-742D5D157FBC}"/>
               </a:ext>
             </a:extLst>
           </p:cNvPr>
@@ -4268,35 +5669,7 @@
             <a:spLocks noGrp="1"/>
           </p:cNvSpPr>
           <p:nvPr>
-            <p:ph type="body" idx="1"/>
-          </p:nvPr>
-        </p:nvSpPr>
-        <p:spPr/>
-        <p:txBody>
-          <a:bodyPr/>
-          <a:lstStyle/>
-          <a:p>
-            <a:r>
-              <a:rPr lang="en-GB" dirty="0"/>
-              <a:t>It really is</a:t>
-            </a:r>
-          </a:p>
-        </p:txBody>
-      </p:sp>
-      <p:sp>
-        <p:nvSpPr>
-          <p:cNvPr id="3" name="Content Placeholder 2">
-            <a:extLst>
-              <a:ext uri="{FF2B5EF4-FFF2-40B4-BE49-F238E27FC236}">
-                <a16:creationId xmlns:a16="http://schemas.microsoft.com/office/drawing/2014/main" id="{6E9C0615-2432-4D18-B4D3-B8F02D1FE094}"/>
-              </a:ext>
-            </a:extLst>
-          </p:cNvPr>
-          <p:cNvSpPr>
-            <a:spLocks noGrp="1"/>
-          </p:cNvSpPr>
-          <p:nvPr>
-            <p:ph sz="half" idx="2"/>
+            <p:ph idx="1"/>
           </p:nvPr>
         </p:nvSpPr>
         <p:spPr/>
@@ -4309,22 +5682,8 @@
               <a:buChar char="Ø"/>
             </a:pPr>
             <a:r>
-              <a:rPr lang="en-GB" dirty="0" err="1"/>
-              <a:t>.Net</a:t>
-            </a:r>
-            <a:r>
               <a:rPr lang="en-GB" dirty="0"/>
-              <a:t> Framework</a:t>
-            </a:r>
-          </a:p>
-          <a:p>
-            <a:pPr lvl="1">
-              <a:buFont typeface="Wingdings" panose="05000000000000000000" pitchFamily="2" charset="2"/>
-              <a:buChar char="Ø"/>
-            </a:pPr>
-            <a:r>
-              <a:rPr lang="en-GB" dirty="0"/>
-              <a:t>Try employing people to work on it!</a:t>
+              <a:t> NO client server traffic for updating a screen</a:t>
             </a:r>
           </a:p>
           <a:p>
@@ -4334,7 +5693,23 @@
             </a:pPr>
             <a:r>
               <a:rPr lang="en-GB" dirty="0"/>
-              <a:t>Platform Specific</a:t>
+              <a:t> </a:t>
+            </a:r>
+            <a:r>
+              <a:rPr lang="en-GB" dirty="0" err="1"/>
+              <a:t>Scaleable</a:t>
+            </a:r>
+            <a:r>
+              <a:rPr lang="en-GB" dirty="0"/>
+              <a:t> (you </a:t>
+            </a:r>
+            <a:r>
+              <a:rPr lang="en-GB" i="1" dirty="0"/>
+              <a:t>should </a:t>
+            </a:r>
+            <a:r>
+              <a:rPr lang="en-GB" dirty="0"/>
+              <a:t>only make calls when you need to read from or write to the server)</a:t>
             </a:r>
           </a:p>
           <a:p>
@@ -4344,7 +5719,7 @@
             </a:pPr>
             <a:r>
               <a:rPr lang="en-GB" dirty="0"/>
-              <a:t>Typically not very testable, and not very tested</a:t>
+              <a:t> Total control over your environment</a:t>
             </a:r>
           </a:p>
           <a:p>
@@ -4354,72 +5729,9 @@
             </a:pPr>
             <a:r>
               <a:rPr lang="en-GB" dirty="0"/>
-              <a:t>Hard to deploy</a:t>
-            </a:r>
-          </a:p>
-          <a:p>
-            <a:pPr lvl="1">
-              <a:buFont typeface="Wingdings" panose="05000000000000000000" pitchFamily="2" charset="2"/>
-              <a:buChar char="Ø"/>
-            </a:pPr>
-            <a:endParaRPr lang="en-GB" dirty="0"/>
-          </a:p>
-          <a:p>
-            <a:r>
-              <a:rPr lang="en-GB" dirty="0"/>
-              <a:t> </a:t>
-            </a:r>
-          </a:p>
-        </p:txBody>
-      </p:sp>
-      <p:sp>
-        <p:nvSpPr>
-          <p:cNvPr id="5" name="Text Placeholder 4">
-            <a:extLst>
-              <a:ext uri="{FF2B5EF4-FFF2-40B4-BE49-F238E27FC236}">
-                <a16:creationId xmlns:a16="http://schemas.microsoft.com/office/drawing/2014/main" id="{1040390E-A4F2-49EA-8302-DF1B4590336A}"/>
-              </a:ext>
-            </a:extLst>
-          </p:cNvPr>
-          <p:cNvSpPr>
-            <a:spLocks noGrp="1"/>
-          </p:cNvSpPr>
-          <p:nvPr>
-            <p:ph type="body" sz="quarter" idx="3"/>
-          </p:nvPr>
-        </p:nvSpPr>
-        <p:spPr/>
-        <p:txBody>
-          <a:bodyPr/>
-          <a:lstStyle/>
-          <a:p>
-            <a:r>
-              <a:rPr lang="en-GB" dirty="0"/>
-              <a:t>But…</a:t>
-            </a:r>
-          </a:p>
-        </p:txBody>
-      </p:sp>
-      <p:sp>
-        <p:nvSpPr>
-          <p:cNvPr id="6" name="Content Placeholder 5">
-            <a:extLst>
-              <a:ext uri="{FF2B5EF4-FFF2-40B4-BE49-F238E27FC236}">
-                <a16:creationId xmlns:a16="http://schemas.microsoft.com/office/drawing/2014/main" id="{CD131AA2-6577-40AA-8BB6-C4BFB533A7D8}"/>
-              </a:ext>
-            </a:extLst>
-          </p:cNvPr>
-          <p:cNvSpPr>
-            <a:spLocks noGrp="1"/>
-          </p:cNvSpPr>
-          <p:nvPr>
-            <p:ph sz="quarter" idx="4"/>
-          </p:nvPr>
-        </p:nvSpPr>
-        <p:spPr/>
-        <p:txBody>
-          <a:bodyPr/>
-          <a:lstStyle/>
+              <a:t> Arguably faster to write (certainly WinForms)</a:t>
+            </a:r>
+          </a:p>
           <a:p>
             <a:pPr>
               <a:buFont typeface="Wingdings" panose="05000000000000000000" pitchFamily="2" charset="2"/>
@@ -4427,56 +5739,15 @@
             </a:pPr>
             <a:r>
               <a:rPr lang="en-GB" dirty="0"/>
-              <a:t>Fast to develop</a:t>
-            </a:r>
-          </a:p>
-          <a:p>
-            <a:pPr>
-              <a:buFont typeface="Wingdings" panose="05000000000000000000" pitchFamily="2" charset="2"/>
-              <a:buChar char="Ø"/>
-            </a:pPr>
-            <a:r>
-              <a:rPr lang="en-GB" dirty="0"/>
-              <a:t>Your apps are already written and running</a:t>
-            </a:r>
-          </a:p>
-          <a:p>
-            <a:pPr>
-              <a:buFont typeface="Wingdings" panose="05000000000000000000" pitchFamily="2" charset="2"/>
-              <a:buChar char="Ø"/>
-            </a:pPr>
-            <a:r>
-              <a:rPr lang="en-GB" dirty="0"/>
-              <a:t>Users are used to it</a:t>
-            </a:r>
-          </a:p>
-          <a:p>
-            <a:pPr>
-              <a:buFont typeface="Wingdings" panose="05000000000000000000" pitchFamily="2" charset="2"/>
-              <a:buChar char="Ø"/>
-            </a:pPr>
-            <a:endParaRPr lang="en-GB" dirty="0"/>
-          </a:p>
-          <a:p>
-            <a:pPr>
-              <a:buFont typeface="Wingdings" panose="05000000000000000000" pitchFamily="2" charset="2"/>
-              <a:buChar char="Ø"/>
-            </a:pPr>
-            <a:endParaRPr lang="en-GB" dirty="0"/>
-          </a:p>
-          <a:p>
-            <a:pPr>
-              <a:buFont typeface="Wingdings" panose="05000000000000000000" pitchFamily="2" charset="2"/>
-              <a:buChar char="Ø"/>
-            </a:pPr>
-            <a:endParaRPr lang="en-GB" dirty="0"/>
+              <a:t> No need for an internet connection</a:t>
+            </a:r>
           </a:p>
         </p:txBody>
       </p:sp>
     </p:spTree>
     <p:extLst>
       <p:ext uri="{BB962C8B-B14F-4D97-AF65-F5344CB8AC3E}">
-        <p14:creationId xmlns:p14="http://schemas.microsoft.com/office/powerpoint/2010/main" val="420761786"/>
+        <p14:creationId xmlns:p14="http://schemas.microsoft.com/office/powerpoint/2010/main" val="4042376616"/>
       </p:ext>
     </p:extLst>
   </p:cSld>
@@ -4505,6 +5776,283 @@
       </p:grpSpPr>
       <p:sp>
         <p:nvSpPr>
+          <p:cNvPr id="2" name="Title 1">
+            <a:extLst>
+              <a:ext uri="{FF2B5EF4-FFF2-40B4-BE49-F238E27FC236}">
+                <a16:creationId xmlns:a16="http://schemas.microsoft.com/office/drawing/2014/main" id="{C291A790-23F2-43FC-AA02-0EC73C418BD9}"/>
+              </a:ext>
+            </a:extLst>
+          </p:cNvPr>
+          <p:cNvSpPr>
+            <a:spLocks noGrp="1"/>
+          </p:cNvSpPr>
+          <p:nvPr>
+            <p:ph type="title"/>
+          </p:nvPr>
+        </p:nvSpPr>
+        <p:spPr/>
+        <p:txBody>
+          <a:bodyPr/>
+          <a:lstStyle/>
+          <a:p>
+            <a:r>
+              <a:rPr lang="en-GB" dirty="0"/>
+              <a:t>WinForms – Is it all that bad?</a:t>
+            </a:r>
+          </a:p>
+        </p:txBody>
+      </p:sp>
+      <p:sp>
+        <p:nvSpPr>
+          <p:cNvPr id="4" name="Text Placeholder 3">
+            <a:extLst>
+              <a:ext uri="{FF2B5EF4-FFF2-40B4-BE49-F238E27FC236}">
+                <a16:creationId xmlns:a16="http://schemas.microsoft.com/office/drawing/2014/main" id="{D624FA98-9DF7-4FC8-8DA1-BC3046E5FA2B}"/>
+              </a:ext>
+            </a:extLst>
+          </p:cNvPr>
+          <p:cNvSpPr>
+            <a:spLocks noGrp="1"/>
+          </p:cNvSpPr>
+          <p:nvPr>
+            <p:ph type="body" idx="1"/>
+          </p:nvPr>
+        </p:nvSpPr>
+        <p:spPr/>
+        <p:txBody>
+          <a:bodyPr/>
+          <a:lstStyle/>
+          <a:p>
+            <a:r>
+              <a:rPr lang="en-GB" dirty="0"/>
+              <a:t>It really is</a:t>
+            </a:r>
+          </a:p>
+        </p:txBody>
+      </p:sp>
+      <p:sp>
+        <p:nvSpPr>
+          <p:cNvPr id="3" name="Content Placeholder 2">
+            <a:extLst>
+              <a:ext uri="{FF2B5EF4-FFF2-40B4-BE49-F238E27FC236}">
+                <a16:creationId xmlns:a16="http://schemas.microsoft.com/office/drawing/2014/main" id="{6E9C0615-2432-4D18-B4D3-B8F02D1FE094}"/>
+              </a:ext>
+            </a:extLst>
+          </p:cNvPr>
+          <p:cNvSpPr>
+            <a:spLocks noGrp="1"/>
+          </p:cNvSpPr>
+          <p:nvPr>
+            <p:ph sz="half" idx="2"/>
+          </p:nvPr>
+        </p:nvSpPr>
+        <p:spPr/>
+        <p:txBody>
+          <a:bodyPr>
+            <a:normAutofit/>
+          </a:bodyPr>
+          <a:lstStyle/>
+          <a:p>
+            <a:pPr>
+              <a:buFont typeface="Wingdings" panose="05000000000000000000" pitchFamily="2" charset="2"/>
+              <a:buChar char="Ø"/>
+            </a:pPr>
+            <a:r>
+              <a:rPr lang="en-GB" dirty="0"/>
+              <a:t> </a:t>
+            </a:r>
+            <a:r>
+              <a:rPr lang="en-GB" dirty="0" err="1"/>
+              <a:t>.Net</a:t>
+            </a:r>
+            <a:r>
+              <a:rPr lang="en-GB" dirty="0"/>
+              <a:t> Framework</a:t>
+            </a:r>
+          </a:p>
+          <a:p>
+            <a:pPr lvl="1">
+              <a:buFont typeface="Wingdings" panose="05000000000000000000" pitchFamily="2" charset="2"/>
+              <a:buChar char="Ø"/>
+            </a:pPr>
+            <a:r>
+              <a:rPr lang="en-GB" dirty="0"/>
+              <a:t> Try employing people to work on it!</a:t>
+            </a:r>
+          </a:p>
+          <a:p>
+            <a:pPr>
+              <a:buFont typeface="Wingdings" panose="05000000000000000000" pitchFamily="2" charset="2"/>
+              <a:buChar char="Ø"/>
+            </a:pPr>
+            <a:r>
+              <a:rPr lang="en-GB" dirty="0"/>
+              <a:t> Platform Specific</a:t>
+            </a:r>
+          </a:p>
+          <a:p>
+            <a:pPr>
+              <a:buFont typeface="Wingdings" panose="05000000000000000000" pitchFamily="2" charset="2"/>
+              <a:buChar char="Ø"/>
+            </a:pPr>
+            <a:r>
+              <a:rPr lang="en-GB" dirty="0"/>
+              <a:t> Typically not very testable, and not very tested</a:t>
+            </a:r>
+          </a:p>
+          <a:p>
+            <a:pPr>
+              <a:buFont typeface="Wingdings" panose="05000000000000000000" pitchFamily="2" charset="2"/>
+              <a:buChar char="Ø"/>
+            </a:pPr>
+            <a:r>
+              <a:rPr lang="en-GB" dirty="0"/>
+              <a:t> Hard to deploy</a:t>
+            </a:r>
+          </a:p>
+          <a:p>
+            <a:r>
+              <a:rPr lang="en-GB" dirty="0"/>
+              <a:t> </a:t>
+            </a:r>
+          </a:p>
+        </p:txBody>
+      </p:sp>
+      <p:sp>
+        <p:nvSpPr>
+          <p:cNvPr id="5" name="Text Placeholder 4">
+            <a:extLst>
+              <a:ext uri="{FF2B5EF4-FFF2-40B4-BE49-F238E27FC236}">
+                <a16:creationId xmlns:a16="http://schemas.microsoft.com/office/drawing/2014/main" id="{1040390E-A4F2-49EA-8302-DF1B4590336A}"/>
+              </a:ext>
+            </a:extLst>
+          </p:cNvPr>
+          <p:cNvSpPr>
+            <a:spLocks noGrp="1"/>
+          </p:cNvSpPr>
+          <p:nvPr>
+            <p:ph type="body" sz="quarter" idx="3"/>
+          </p:nvPr>
+        </p:nvSpPr>
+        <p:spPr/>
+        <p:txBody>
+          <a:bodyPr/>
+          <a:lstStyle/>
+          <a:p>
+            <a:r>
+              <a:rPr lang="en-GB" dirty="0"/>
+              <a:t>But…</a:t>
+            </a:r>
+          </a:p>
+        </p:txBody>
+      </p:sp>
+      <p:sp>
+        <p:nvSpPr>
+          <p:cNvPr id="6" name="Content Placeholder 5">
+            <a:extLst>
+              <a:ext uri="{FF2B5EF4-FFF2-40B4-BE49-F238E27FC236}">
+                <a16:creationId xmlns:a16="http://schemas.microsoft.com/office/drawing/2014/main" id="{CD131AA2-6577-40AA-8BB6-C4BFB533A7D8}"/>
+              </a:ext>
+            </a:extLst>
+          </p:cNvPr>
+          <p:cNvSpPr>
+            <a:spLocks noGrp="1"/>
+          </p:cNvSpPr>
+          <p:nvPr>
+            <p:ph sz="quarter" idx="4"/>
+          </p:nvPr>
+        </p:nvSpPr>
+        <p:spPr/>
+        <p:txBody>
+          <a:bodyPr>
+            <a:normAutofit/>
+          </a:bodyPr>
+          <a:lstStyle/>
+          <a:p>
+            <a:pPr>
+              <a:buFont typeface="Wingdings" panose="05000000000000000000" pitchFamily="2" charset="2"/>
+              <a:buChar char="Ø"/>
+            </a:pPr>
+            <a:r>
+              <a:rPr lang="en-GB" dirty="0"/>
+              <a:t>Fast to develop</a:t>
+            </a:r>
+          </a:p>
+          <a:p>
+            <a:pPr>
+              <a:buFont typeface="Wingdings" panose="05000000000000000000" pitchFamily="2" charset="2"/>
+              <a:buChar char="Ø"/>
+            </a:pPr>
+            <a:r>
+              <a:rPr lang="en-GB" dirty="0"/>
+              <a:t>Your apps are already written and running</a:t>
+            </a:r>
+          </a:p>
+          <a:p>
+            <a:pPr>
+              <a:buFont typeface="Wingdings" panose="05000000000000000000" pitchFamily="2" charset="2"/>
+              <a:buChar char="Ø"/>
+            </a:pPr>
+            <a:r>
+              <a:rPr lang="en-GB" dirty="0"/>
+              <a:t>Users are used to it</a:t>
+            </a:r>
+          </a:p>
+          <a:p>
+            <a:pPr>
+              <a:buFont typeface="Wingdings" panose="05000000000000000000" pitchFamily="2" charset="2"/>
+              <a:buChar char="Ø"/>
+            </a:pPr>
+            <a:endParaRPr lang="en-GB" dirty="0"/>
+          </a:p>
+          <a:p>
+            <a:pPr>
+              <a:buFont typeface="Wingdings" panose="05000000000000000000" pitchFamily="2" charset="2"/>
+              <a:buChar char="Ø"/>
+            </a:pPr>
+            <a:endParaRPr lang="en-GB" dirty="0"/>
+          </a:p>
+          <a:p>
+            <a:pPr>
+              <a:buFont typeface="Wingdings" panose="05000000000000000000" pitchFamily="2" charset="2"/>
+              <a:buChar char="Ø"/>
+            </a:pPr>
+            <a:endParaRPr lang="en-GB" dirty="0"/>
+          </a:p>
+        </p:txBody>
+      </p:sp>
+    </p:spTree>
+    <p:extLst>
+      <p:ext uri="{BB962C8B-B14F-4D97-AF65-F5344CB8AC3E}">
+        <p14:creationId xmlns:p14="http://schemas.microsoft.com/office/powerpoint/2010/main" val="420761786"/>
+      </p:ext>
+    </p:extLst>
+  </p:cSld>
+  <p:clrMapOvr>
+    <a:masterClrMapping/>
+  </p:clrMapOvr>
+</p:sld>
+</file>
+
+<file path=ppt/slides/slide7.xml><?xml version="1.0" encoding="utf-8"?>
+<p:sld xmlns:a="http://schemas.openxmlformats.org/drawingml/2006/main" xmlns:r="http://schemas.openxmlformats.org/officeDocument/2006/relationships" xmlns:p="http://schemas.openxmlformats.org/presentationml/2006/main">
+  <p:cSld>
+    <p:spTree>
+      <p:nvGrpSpPr>
+        <p:cNvPr id="1" name=""/>
+        <p:cNvGrpSpPr/>
+        <p:nvPr/>
+      </p:nvGrpSpPr>
+      <p:grpSpPr>
+        <a:xfrm>
+          <a:off x="0" y="0"/>
+          <a:ext cx="0" cy="0"/>
+          <a:chOff x="0" y="0"/>
+          <a:chExt cx="0" cy="0"/>
+        </a:xfrm>
+      </p:grpSpPr>
+      <p:sp>
+        <p:nvSpPr>
           <p:cNvPr id="7" name="Title 6">
             <a:extLst>
               <a:ext uri="{FF2B5EF4-FFF2-40B4-BE49-F238E27FC236}">
@@ -4556,7 +6104,7 @@
           </p:nvPr>
         </p:nvPicPr>
         <p:blipFill>
-          <a:blip r:embed="rId2">
+          <a:blip r:embed="rId3">
             <a:extLst>
               <a:ext uri="{28A0092B-C50C-407E-A947-70E740481C1C}">
                 <a14:useLocalDpi xmlns:a14="http://schemas.microsoft.com/office/drawing/2010/main" val="0"/>
@@ -4578,6 +6126,1001 @@
     <p:extLst>
       <p:ext uri="{BB962C8B-B14F-4D97-AF65-F5344CB8AC3E}">
         <p14:creationId xmlns:p14="http://schemas.microsoft.com/office/powerpoint/2010/main" val="4130051661"/>
+      </p:ext>
+    </p:extLst>
+  </p:cSld>
+  <p:clrMapOvr>
+    <a:masterClrMapping/>
+  </p:clrMapOvr>
+</p:sld>
+</file>
+
+<file path=ppt/slides/slide8.xml><?xml version="1.0" encoding="utf-8"?>
+<p:sld xmlns:a="http://schemas.openxmlformats.org/drawingml/2006/main" xmlns:r="http://schemas.openxmlformats.org/officeDocument/2006/relationships" xmlns:p="http://schemas.openxmlformats.org/presentationml/2006/main">
+  <p:cSld>
+    <p:spTree>
+      <p:nvGrpSpPr>
+        <p:cNvPr id="1" name=""/>
+        <p:cNvGrpSpPr/>
+        <p:nvPr/>
+      </p:nvGrpSpPr>
+      <p:grpSpPr>
+        <a:xfrm>
+          <a:off x="0" y="0"/>
+          <a:ext cx="0" cy="0"/>
+          <a:chOff x="0" y="0"/>
+          <a:chExt cx="0" cy="0"/>
+        </a:xfrm>
+      </p:grpSpPr>
+      <p:sp>
+        <p:nvSpPr>
+          <p:cNvPr id="2" name="Title 1">
+            <a:extLst>
+              <a:ext uri="{FF2B5EF4-FFF2-40B4-BE49-F238E27FC236}">
+                <a16:creationId xmlns:a16="http://schemas.microsoft.com/office/drawing/2014/main" id="{9F622477-8ACE-4D0D-A270-ACE5691883F3}"/>
+              </a:ext>
+            </a:extLst>
+          </p:cNvPr>
+          <p:cNvSpPr>
+            <a:spLocks noGrp="1"/>
+          </p:cNvSpPr>
+          <p:nvPr>
+            <p:ph type="title"/>
+          </p:nvPr>
+        </p:nvSpPr>
+        <p:spPr>
+          <a:xfrm>
+            <a:off x="1097280" y="267749"/>
+            <a:ext cx="10058400" cy="1450757"/>
+          </a:xfrm>
+        </p:spPr>
+        <p:txBody>
+          <a:bodyPr/>
+          <a:lstStyle/>
+          <a:p>
+            <a:r>
+              <a:rPr lang="en-GB" dirty="0"/>
+              <a:t>WinForms – Still all that bad?</a:t>
+            </a:r>
+          </a:p>
+        </p:txBody>
+      </p:sp>
+      <p:sp>
+        <p:nvSpPr>
+          <p:cNvPr id="4" name="Text Placeholder 3">
+            <a:extLst>
+              <a:ext uri="{FF2B5EF4-FFF2-40B4-BE49-F238E27FC236}">
+                <a16:creationId xmlns:a16="http://schemas.microsoft.com/office/drawing/2014/main" id="{C9BC5819-3014-49CD-AFE2-5F2D3334994D}"/>
+              </a:ext>
+            </a:extLst>
+          </p:cNvPr>
+          <p:cNvSpPr>
+            <a:spLocks noGrp="1"/>
+          </p:cNvSpPr>
+          <p:nvPr>
+            <p:ph idx="1"/>
+          </p:nvPr>
+        </p:nvSpPr>
+        <p:spPr>
+          <a:xfrm>
+            <a:off x="1097280" y="1845734"/>
+            <a:ext cx="5265813" cy="3942324"/>
+          </a:xfrm>
+        </p:spPr>
+        <p:txBody>
+          <a:bodyPr/>
+          <a:lstStyle/>
+          <a:p>
+            <a:pPr>
+              <a:buFont typeface="Wingdings" panose="05000000000000000000" pitchFamily="2" charset="2"/>
+              <a:buChar char="Ø"/>
+            </a:pPr>
+            <a:r>
+              <a:rPr lang="en-GB" dirty="0"/>
+              <a:t> </a:t>
+            </a:r>
+            <a:r>
+              <a:rPr lang="en-GB" dirty="0" err="1"/>
+              <a:t>.Net</a:t>
+            </a:r>
+            <a:r>
+              <a:rPr lang="en-GB" dirty="0"/>
+              <a:t> Framework</a:t>
+            </a:r>
+          </a:p>
+          <a:p>
+            <a:pPr lvl="1">
+              <a:buFont typeface="Wingdings" panose="05000000000000000000" pitchFamily="2" charset="2"/>
+              <a:buChar char="Ø"/>
+            </a:pPr>
+            <a:r>
+              <a:rPr lang="en-GB" dirty="0"/>
+              <a:t> Try employing people to work on it!</a:t>
+            </a:r>
+          </a:p>
+          <a:p>
+            <a:pPr lvl="1">
+              <a:buFont typeface="Wingdings" panose="05000000000000000000" pitchFamily="2" charset="2"/>
+              <a:buChar char="Ø"/>
+            </a:pPr>
+            <a:endParaRPr lang="en-GB" dirty="0"/>
+          </a:p>
+          <a:p>
+            <a:pPr>
+              <a:buFont typeface="Wingdings" panose="05000000000000000000" pitchFamily="2" charset="2"/>
+              <a:buChar char="Ø"/>
+            </a:pPr>
+            <a:r>
+              <a:rPr lang="en-GB" dirty="0"/>
+              <a:t> Platform Specific</a:t>
+            </a:r>
+          </a:p>
+          <a:p>
+            <a:pPr>
+              <a:buFont typeface="Wingdings" panose="05000000000000000000" pitchFamily="2" charset="2"/>
+              <a:buChar char="Ø"/>
+            </a:pPr>
+            <a:endParaRPr lang="en-GB" dirty="0"/>
+          </a:p>
+          <a:p>
+            <a:pPr>
+              <a:buFont typeface="Wingdings" panose="05000000000000000000" pitchFamily="2" charset="2"/>
+              <a:buChar char="Ø"/>
+            </a:pPr>
+            <a:r>
+              <a:rPr lang="en-GB" dirty="0"/>
+              <a:t> Typically not very testable, and not very tested</a:t>
+            </a:r>
+          </a:p>
+          <a:p>
+            <a:pPr>
+              <a:buFont typeface="Wingdings" panose="05000000000000000000" pitchFamily="2" charset="2"/>
+              <a:buChar char="Ø"/>
+            </a:pPr>
+            <a:endParaRPr lang="en-GB" dirty="0"/>
+          </a:p>
+          <a:p>
+            <a:pPr>
+              <a:buFont typeface="Wingdings" panose="05000000000000000000" pitchFamily="2" charset="2"/>
+              <a:buChar char="Ø"/>
+            </a:pPr>
+            <a:r>
+              <a:rPr lang="en-GB" dirty="0"/>
+              <a:t> Hard to deploy</a:t>
+            </a:r>
+          </a:p>
+          <a:p>
+            <a:r>
+              <a:rPr lang="en-GB" dirty="0"/>
+              <a:t> </a:t>
+            </a:r>
+          </a:p>
+          <a:p>
+            <a:endParaRPr lang="en-GB" dirty="0"/>
+          </a:p>
+        </p:txBody>
+      </p:sp>
+      <p:sp>
+        <p:nvSpPr>
+          <p:cNvPr id="10" name="TextBox 9">
+            <a:extLst>
+              <a:ext uri="{FF2B5EF4-FFF2-40B4-BE49-F238E27FC236}">
+                <a16:creationId xmlns:a16="http://schemas.microsoft.com/office/drawing/2014/main" id="{12426E1C-1102-4FF5-8F8A-3F5E4646E2D8}"/>
+              </a:ext>
+            </a:extLst>
+          </p:cNvPr>
+          <p:cNvSpPr txBox="1"/>
+          <p:nvPr/>
+        </p:nvSpPr>
+        <p:spPr>
+          <a:xfrm>
+            <a:off x="7088957" y="2017336"/>
+            <a:ext cx="4005763" cy="369332"/>
+          </a:xfrm>
+          <a:prstGeom prst="rect">
+            <a:avLst/>
+          </a:prstGeom>
+          <a:noFill/>
+        </p:spPr>
+        <p:txBody>
+          <a:bodyPr wrap="square" rtlCol="0">
+            <a:spAutoFit/>
+          </a:bodyPr>
+          <a:lstStyle/>
+          <a:p>
+            <a:r>
+              <a:rPr lang="en-GB" dirty="0" err="1"/>
+              <a:t>.Net</a:t>
+            </a:r>
+            <a:r>
+              <a:rPr lang="en-GB" dirty="0"/>
+              <a:t> Core 3</a:t>
+            </a:r>
+          </a:p>
+        </p:txBody>
+      </p:sp>
+      <p:sp>
+        <p:nvSpPr>
+          <p:cNvPr id="11" name="TextBox 10">
+            <a:extLst>
+              <a:ext uri="{FF2B5EF4-FFF2-40B4-BE49-F238E27FC236}">
+                <a16:creationId xmlns:a16="http://schemas.microsoft.com/office/drawing/2014/main" id="{7FFCCDBC-4495-45FF-B821-A602F7C9AD05}"/>
+              </a:ext>
+            </a:extLst>
+          </p:cNvPr>
+          <p:cNvSpPr txBox="1"/>
+          <p:nvPr/>
+        </p:nvSpPr>
+        <p:spPr>
+          <a:xfrm>
+            <a:off x="7088953" y="2782669"/>
+            <a:ext cx="4005763" cy="646331"/>
+          </a:xfrm>
+          <a:prstGeom prst="rect">
+            <a:avLst/>
+          </a:prstGeom>
+          <a:noFill/>
+        </p:spPr>
+        <p:txBody>
+          <a:bodyPr wrap="square" rtlCol="0">
+            <a:spAutoFit/>
+          </a:bodyPr>
+          <a:lstStyle/>
+          <a:p>
+            <a:r>
+              <a:rPr lang="en-GB" dirty="0"/>
+              <a:t>Still platform specific, but that’s probably what you want</a:t>
+            </a:r>
+          </a:p>
+        </p:txBody>
+      </p:sp>
+      <p:sp>
+        <p:nvSpPr>
+          <p:cNvPr id="12" name="TextBox 11">
+            <a:extLst>
+              <a:ext uri="{FF2B5EF4-FFF2-40B4-BE49-F238E27FC236}">
+                <a16:creationId xmlns:a16="http://schemas.microsoft.com/office/drawing/2014/main" id="{63321050-906B-4A6A-B5CC-3516B13C606A}"/>
+              </a:ext>
+            </a:extLst>
+          </p:cNvPr>
+          <p:cNvSpPr txBox="1"/>
+          <p:nvPr/>
+        </p:nvSpPr>
+        <p:spPr>
+          <a:xfrm flipH="1">
+            <a:off x="7088954" y="3755067"/>
+            <a:ext cx="4005763" cy="646331"/>
+          </a:xfrm>
+          <a:prstGeom prst="rect">
+            <a:avLst/>
+          </a:prstGeom>
+          <a:noFill/>
+        </p:spPr>
+        <p:txBody>
+          <a:bodyPr wrap="square" rtlCol="0">
+            <a:spAutoFit/>
+          </a:bodyPr>
+          <a:lstStyle/>
+          <a:p>
+            <a:r>
+              <a:rPr lang="en-GB" dirty="0"/>
+              <a:t>If your app isn’t properly tested, this won’t help you!</a:t>
+            </a:r>
+          </a:p>
+        </p:txBody>
+      </p:sp>
+      <p:sp>
+        <p:nvSpPr>
+          <p:cNvPr id="13" name="TextBox 12">
+            <a:extLst>
+              <a:ext uri="{FF2B5EF4-FFF2-40B4-BE49-F238E27FC236}">
+                <a16:creationId xmlns:a16="http://schemas.microsoft.com/office/drawing/2014/main" id="{5DC7B6F2-F782-4FB3-9628-400D708121AF}"/>
+              </a:ext>
+            </a:extLst>
+          </p:cNvPr>
+          <p:cNvSpPr txBox="1"/>
+          <p:nvPr/>
+        </p:nvSpPr>
+        <p:spPr>
+          <a:xfrm>
+            <a:off x="7088952" y="4797399"/>
+            <a:ext cx="4005763" cy="369332"/>
+          </a:xfrm>
+          <a:prstGeom prst="rect">
+            <a:avLst/>
+          </a:prstGeom>
+          <a:noFill/>
+        </p:spPr>
+        <p:txBody>
+          <a:bodyPr wrap="square" rtlCol="0">
+            <a:spAutoFit/>
+          </a:bodyPr>
+          <a:lstStyle/>
+          <a:p>
+            <a:r>
+              <a:rPr lang="en-GB" dirty="0"/>
+              <a:t>Single exe and tree shaking!</a:t>
+            </a:r>
+          </a:p>
+        </p:txBody>
+      </p:sp>
+      <p:sp>
+        <p:nvSpPr>
+          <p:cNvPr id="14" name="Arrow: Right 13">
+            <a:extLst>
+              <a:ext uri="{FF2B5EF4-FFF2-40B4-BE49-F238E27FC236}">
+                <a16:creationId xmlns:a16="http://schemas.microsoft.com/office/drawing/2014/main" id="{9A234EA4-046D-45A0-8D1C-D1A9CB401F51}"/>
+              </a:ext>
+            </a:extLst>
+          </p:cNvPr>
+          <p:cNvSpPr/>
+          <p:nvPr/>
+        </p:nvSpPr>
+        <p:spPr>
+          <a:xfrm>
+            <a:off x="5307291" y="2065921"/>
+            <a:ext cx="1508288" cy="320747"/>
+          </a:xfrm>
+          <a:prstGeom prst="rightArrow">
+            <a:avLst/>
+          </a:prstGeom>
+        </p:spPr>
+        <p:style>
+          <a:lnRef idx="2">
+            <a:schemeClr val="accent1">
+              <a:shade val="50000"/>
+            </a:schemeClr>
+          </a:lnRef>
+          <a:fillRef idx="1">
+            <a:schemeClr val="accent1"/>
+          </a:fillRef>
+          <a:effectRef idx="0">
+            <a:schemeClr val="accent1"/>
+          </a:effectRef>
+          <a:fontRef idx="minor">
+            <a:schemeClr val="lt1"/>
+          </a:fontRef>
+        </p:style>
+        <p:txBody>
+          <a:bodyPr rtlCol="0" anchor="ctr"/>
+          <a:lstStyle/>
+          <a:p>
+            <a:pPr algn="ctr"/>
+            <a:endParaRPr lang="en-GB"/>
+          </a:p>
+        </p:txBody>
+      </p:sp>
+      <p:sp>
+        <p:nvSpPr>
+          <p:cNvPr id="15" name="Arrow: Right 14">
+            <a:extLst>
+              <a:ext uri="{FF2B5EF4-FFF2-40B4-BE49-F238E27FC236}">
+                <a16:creationId xmlns:a16="http://schemas.microsoft.com/office/drawing/2014/main" id="{F4ADC06A-DADC-421D-9709-9B2AE73CA7EC}"/>
+              </a:ext>
+            </a:extLst>
+          </p:cNvPr>
+          <p:cNvSpPr/>
+          <p:nvPr/>
+        </p:nvSpPr>
+        <p:spPr>
+          <a:xfrm>
+            <a:off x="3572759" y="2945460"/>
+            <a:ext cx="3242820" cy="320747"/>
+          </a:xfrm>
+          <a:prstGeom prst="rightArrow">
+            <a:avLst/>
+          </a:prstGeom>
+        </p:spPr>
+        <p:style>
+          <a:lnRef idx="2">
+            <a:schemeClr val="accent1">
+              <a:shade val="50000"/>
+            </a:schemeClr>
+          </a:lnRef>
+          <a:fillRef idx="1">
+            <a:schemeClr val="accent1"/>
+          </a:fillRef>
+          <a:effectRef idx="0">
+            <a:schemeClr val="accent1"/>
+          </a:effectRef>
+          <a:fontRef idx="minor">
+            <a:schemeClr val="lt1"/>
+          </a:fontRef>
+        </p:style>
+        <p:txBody>
+          <a:bodyPr rtlCol="0" anchor="ctr"/>
+          <a:lstStyle/>
+          <a:p>
+            <a:pPr algn="ctr"/>
+            <a:endParaRPr lang="en-GB"/>
+          </a:p>
+        </p:txBody>
+      </p:sp>
+      <p:sp>
+        <p:nvSpPr>
+          <p:cNvPr id="16" name="Arrow: Right 15">
+            <a:extLst>
+              <a:ext uri="{FF2B5EF4-FFF2-40B4-BE49-F238E27FC236}">
+                <a16:creationId xmlns:a16="http://schemas.microsoft.com/office/drawing/2014/main" id="{4DA075D7-6856-47B7-B67F-AC5F0255DB2E}"/>
+              </a:ext>
+            </a:extLst>
+          </p:cNvPr>
+          <p:cNvSpPr/>
+          <p:nvPr/>
+        </p:nvSpPr>
+        <p:spPr>
+          <a:xfrm>
+            <a:off x="6268825" y="3917858"/>
+            <a:ext cx="546754" cy="320747"/>
+          </a:xfrm>
+          <a:prstGeom prst="rightArrow">
+            <a:avLst/>
+          </a:prstGeom>
+        </p:spPr>
+        <p:style>
+          <a:lnRef idx="2">
+            <a:schemeClr val="accent1">
+              <a:shade val="50000"/>
+            </a:schemeClr>
+          </a:lnRef>
+          <a:fillRef idx="1">
+            <a:schemeClr val="accent1"/>
+          </a:fillRef>
+          <a:effectRef idx="0">
+            <a:schemeClr val="accent1"/>
+          </a:effectRef>
+          <a:fontRef idx="minor">
+            <a:schemeClr val="lt1"/>
+          </a:fontRef>
+        </p:style>
+        <p:txBody>
+          <a:bodyPr rtlCol="0" anchor="ctr"/>
+          <a:lstStyle/>
+          <a:p>
+            <a:pPr algn="ctr"/>
+            <a:endParaRPr lang="en-GB"/>
+          </a:p>
+        </p:txBody>
+      </p:sp>
+      <p:sp>
+        <p:nvSpPr>
+          <p:cNvPr id="17" name="Arrow: Right 16">
+            <a:extLst>
+              <a:ext uri="{FF2B5EF4-FFF2-40B4-BE49-F238E27FC236}">
+                <a16:creationId xmlns:a16="http://schemas.microsoft.com/office/drawing/2014/main" id="{D83B4ACD-93D1-498F-871B-3BB2DDCCC3DE}"/>
+              </a:ext>
+            </a:extLst>
+          </p:cNvPr>
+          <p:cNvSpPr/>
+          <p:nvPr/>
+        </p:nvSpPr>
+        <p:spPr>
+          <a:xfrm>
+            <a:off x="3572759" y="4807511"/>
+            <a:ext cx="3242820" cy="320747"/>
+          </a:xfrm>
+          <a:prstGeom prst="rightArrow">
+            <a:avLst/>
+          </a:prstGeom>
+        </p:spPr>
+        <p:style>
+          <a:lnRef idx="2">
+            <a:schemeClr val="accent1">
+              <a:shade val="50000"/>
+            </a:schemeClr>
+          </a:lnRef>
+          <a:fillRef idx="1">
+            <a:schemeClr val="accent1"/>
+          </a:fillRef>
+          <a:effectRef idx="0">
+            <a:schemeClr val="accent1"/>
+          </a:effectRef>
+          <a:fontRef idx="minor">
+            <a:schemeClr val="lt1"/>
+          </a:fontRef>
+        </p:style>
+        <p:txBody>
+          <a:bodyPr rtlCol="0" anchor="ctr"/>
+          <a:lstStyle/>
+          <a:p>
+            <a:pPr algn="ctr"/>
+            <a:endParaRPr lang="en-GB"/>
+          </a:p>
+        </p:txBody>
+      </p:sp>
+    </p:spTree>
+    <p:extLst>
+      <p:ext uri="{BB962C8B-B14F-4D97-AF65-F5344CB8AC3E}">
+        <p14:creationId xmlns:p14="http://schemas.microsoft.com/office/powerpoint/2010/main" val="3445727050"/>
+      </p:ext>
+    </p:extLst>
+  </p:cSld>
+  <p:clrMapOvr>
+    <a:masterClrMapping/>
+  </p:clrMapOvr>
+  <p:timing>
+    <p:tnLst>
+      <p:par>
+        <p:cTn id="1" dur="indefinite" restart="never" nodeType="tmRoot">
+          <p:childTnLst>
+            <p:seq concurrent="1" nextAc="seek">
+              <p:cTn id="2" dur="indefinite" nodeType="mainSeq">
+                <p:childTnLst>
+                  <p:par>
+                    <p:cTn id="3" fill="hold">
+                      <p:stCondLst>
+                        <p:cond delay="indefinite"/>
+                      </p:stCondLst>
+                      <p:childTnLst>
+                        <p:par>
+                          <p:cTn id="4" fill="hold">
+                            <p:stCondLst>
+                              <p:cond delay="0"/>
+                            </p:stCondLst>
+                            <p:childTnLst>
+                              <p:par>
+                                <p:cTn id="5" presetID="22" presetClass="entr" presetSubtype="8" fill="hold" grpId="0" nodeType="clickEffect">
+                                  <p:stCondLst>
+                                    <p:cond delay="0"/>
+                                  </p:stCondLst>
+                                  <p:childTnLst>
+                                    <p:set>
+                                      <p:cBhvr>
+                                        <p:cTn id="6" dur="1" fill="hold">
+                                          <p:stCondLst>
+                                            <p:cond delay="0"/>
+                                          </p:stCondLst>
+                                        </p:cTn>
+                                        <p:tgtEl>
+                                          <p:spTgt spid="14"/>
+                                        </p:tgtEl>
+                                        <p:attrNameLst>
+                                          <p:attrName>style.visibility</p:attrName>
+                                        </p:attrNameLst>
+                                      </p:cBhvr>
+                                      <p:to>
+                                        <p:strVal val="visible"/>
+                                      </p:to>
+                                    </p:set>
+                                    <p:animEffect transition="in" filter="wipe(left)">
+                                      <p:cBhvr>
+                                        <p:cTn id="7" dur="500"/>
+                                        <p:tgtEl>
+                                          <p:spTgt spid="14"/>
+                                        </p:tgtEl>
+                                      </p:cBhvr>
+                                    </p:animEffect>
+                                  </p:childTnLst>
+                                </p:cTn>
+                              </p:par>
+                            </p:childTnLst>
+                          </p:cTn>
+                        </p:par>
+                        <p:par>
+                          <p:cTn id="8" fill="hold">
+                            <p:stCondLst>
+                              <p:cond delay="500"/>
+                            </p:stCondLst>
+                            <p:childTnLst>
+                              <p:par>
+                                <p:cTn id="9" presetID="1" presetClass="entr" presetSubtype="0" fill="hold" grpId="0" nodeType="afterEffect">
+                                  <p:stCondLst>
+                                    <p:cond delay="0"/>
+                                  </p:stCondLst>
+                                  <p:childTnLst>
+                                    <p:set>
+                                      <p:cBhvr>
+                                        <p:cTn id="10" dur="1" fill="hold">
+                                          <p:stCondLst>
+                                            <p:cond delay="0"/>
+                                          </p:stCondLst>
+                                        </p:cTn>
+                                        <p:tgtEl>
+                                          <p:spTgt spid="10"/>
+                                        </p:tgtEl>
+                                        <p:attrNameLst>
+                                          <p:attrName>style.visibility</p:attrName>
+                                        </p:attrNameLst>
+                                      </p:cBhvr>
+                                      <p:to>
+                                        <p:strVal val="visible"/>
+                                      </p:to>
+                                    </p:set>
+                                  </p:childTnLst>
+                                </p:cTn>
+                              </p:par>
+                            </p:childTnLst>
+                          </p:cTn>
+                        </p:par>
+                      </p:childTnLst>
+                    </p:cTn>
+                  </p:par>
+                  <p:par>
+                    <p:cTn id="11" fill="hold">
+                      <p:stCondLst>
+                        <p:cond delay="indefinite"/>
+                      </p:stCondLst>
+                      <p:childTnLst>
+                        <p:par>
+                          <p:cTn id="12" fill="hold">
+                            <p:stCondLst>
+                              <p:cond delay="0"/>
+                            </p:stCondLst>
+                            <p:childTnLst>
+                              <p:par>
+                                <p:cTn id="13" presetID="22" presetClass="entr" presetSubtype="8" fill="hold" grpId="0" nodeType="clickEffect">
+                                  <p:stCondLst>
+                                    <p:cond delay="0"/>
+                                  </p:stCondLst>
+                                  <p:childTnLst>
+                                    <p:set>
+                                      <p:cBhvr>
+                                        <p:cTn id="14" dur="1" fill="hold">
+                                          <p:stCondLst>
+                                            <p:cond delay="0"/>
+                                          </p:stCondLst>
+                                        </p:cTn>
+                                        <p:tgtEl>
+                                          <p:spTgt spid="15"/>
+                                        </p:tgtEl>
+                                        <p:attrNameLst>
+                                          <p:attrName>style.visibility</p:attrName>
+                                        </p:attrNameLst>
+                                      </p:cBhvr>
+                                      <p:to>
+                                        <p:strVal val="visible"/>
+                                      </p:to>
+                                    </p:set>
+                                    <p:animEffect transition="in" filter="wipe(left)">
+                                      <p:cBhvr>
+                                        <p:cTn id="15" dur="500"/>
+                                        <p:tgtEl>
+                                          <p:spTgt spid="15"/>
+                                        </p:tgtEl>
+                                      </p:cBhvr>
+                                    </p:animEffect>
+                                  </p:childTnLst>
+                                </p:cTn>
+                              </p:par>
+                            </p:childTnLst>
+                          </p:cTn>
+                        </p:par>
+                        <p:par>
+                          <p:cTn id="16" fill="hold">
+                            <p:stCondLst>
+                              <p:cond delay="500"/>
+                            </p:stCondLst>
+                            <p:childTnLst>
+                              <p:par>
+                                <p:cTn id="17" presetID="1" presetClass="entr" presetSubtype="0" fill="hold" grpId="0" nodeType="afterEffect">
+                                  <p:stCondLst>
+                                    <p:cond delay="0"/>
+                                  </p:stCondLst>
+                                  <p:childTnLst>
+                                    <p:set>
+                                      <p:cBhvr>
+                                        <p:cTn id="18" dur="1" fill="hold">
+                                          <p:stCondLst>
+                                            <p:cond delay="0"/>
+                                          </p:stCondLst>
+                                        </p:cTn>
+                                        <p:tgtEl>
+                                          <p:spTgt spid="11"/>
+                                        </p:tgtEl>
+                                        <p:attrNameLst>
+                                          <p:attrName>style.visibility</p:attrName>
+                                        </p:attrNameLst>
+                                      </p:cBhvr>
+                                      <p:to>
+                                        <p:strVal val="visible"/>
+                                      </p:to>
+                                    </p:set>
+                                  </p:childTnLst>
+                                </p:cTn>
+                              </p:par>
+                            </p:childTnLst>
+                          </p:cTn>
+                        </p:par>
+                      </p:childTnLst>
+                    </p:cTn>
+                  </p:par>
+                  <p:par>
+                    <p:cTn id="19" fill="hold">
+                      <p:stCondLst>
+                        <p:cond delay="indefinite"/>
+                      </p:stCondLst>
+                      <p:childTnLst>
+                        <p:par>
+                          <p:cTn id="20" fill="hold">
+                            <p:stCondLst>
+                              <p:cond delay="0"/>
+                            </p:stCondLst>
+                            <p:childTnLst>
+                              <p:par>
+                                <p:cTn id="21" presetID="22" presetClass="entr" presetSubtype="8" fill="hold" grpId="0" nodeType="clickEffect">
+                                  <p:stCondLst>
+                                    <p:cond delay="0"/>
+                                  </p:stCondLst>
+                                  <p:childTnLst>
+                                    <p:set>
+                                      <p:cBhvr>
+                                        <p:cTn id="22" dur="1" fill="hold">
+                                          <p:stCondLst>
+                                            <p:cond delay="0"/>
+                                          </p:stCondLst>
+                                        </p:cTn>
+                                        <p:tgtEl>
+                                          <p:spTgt spid="16"/>
+                                        </p:tgtEl>
+                                        <p:attrNameLst>
+                                          <p:attrName>style.visibility</p:attrName>
+                                        </p:attrNameLst>
+                                      </p:cBhvr>
+                                      <p:to>
+                                        <p:strVal val="visible"/>
+                                      </p:to>
+                                    </p:set>
+                                    <p:animEffect transition="in" filter="wipe(left)">
+                                      <p:cBhvr>
+                                        <p:cTn id="23" dur="500"/>
+                                        <p:tgtEl>
+                                          <p:spTgt spid="16"/>
+                                        </p:tgtEl>
+                                      </p:cBhvr>
+                                    </p:animEffect>
+                                  </p:childTnLst>
+                                </p:cTn>
+                              </p:par>
+                            </p:childTnLst>
+                          </p:cTn>
+                        </p:par>
+                        <p:par>
+                          <p:cTn id="24" fill="hold">
+                            <p:stCondLst>
+                              <p:cond delay="500"/>
+                            </p:stCondLst>
+                            <p:childTnLst>
+                              <p:par>
+                                <p:cTn id="25" presetID="1" presetClass="entr" presetSubtype="0" fill="hold" grpId="0" nodeType="afterEffect">
+                                  <p:stCondLst>
+                                    <p:cond delay="0"/>
+                                  </p:stCondLst>
+                                  <p:childTnLst>
+                                    <p:set>
+                                      <p:cBhvr>
+                                        <p:cTn id="26" dur="1" fill="hold">
+                                          <p:stCondLst>
+                                            <p:cond delay="0"/>
+                                          </p:stCondLst>
+                                        </p:cTn>
+                                        <p:tgtEl>
+                                          <p:spTgt spid="12"/>
+                                        </p:tgtEl>
+                                        <p:attrNameLst>
+                                          <p:attrName>style.visibility</p:attrName>
+                                        </p:attrNameLst>
+                                      </p:cBhvr>
+                                      <p:to>
+                                        <p:strVal val="visible"/>
+                                      </p:to>
+                                    </p:set>
+                                  </p:childTnLst>
+                                </p:cTn>
+                              </p:par>
+                            </p:childTnLst>
+                          </p:cTn>
+                        </p:par>
+                      </p:childTnLst>
+                    </p:cTn>
+                  </p:par>
+                  <p:par>
+                    <p:cTn id="27" fill="hold">
+                      <p:stCondLst>
+                        <p:cond delay="indefinite"/>
+                      </p:stCondLst>
+                      <p:childTnLst>
+                        <p:par>
+                          <p:cTn id="28" fill="hold">
+                            <p:stCondLst>
+                              <p:cond delay="0"/>
+                            </p:stCondLst>
+                            <p:childTnLst>
+                              <p:par>
+                                <p:cTn id="29" presetID="22" presetClass="entr" presetSubtype="8" fill="hold" grpId="0" nodeType="clickEffect">
+                                  <p:stCondLst>
+                                    <p:cond delay="0"/>
+                                  </p:stCondLst>
+                                  <p:childTnLst>
+                                    <p:set>
+                                      <p:cBhvr>
+                                        <p:cTn id="30" dur="1" fill="hold">
+                                          <p:stCondLst>
+                                            <p:cond delay="0"/>
+                                          </p:stCondLst>
+                                        </p:cTn>
+                                        <p:tgtEl>
+                                          <p:spTgt spid="17"/>
+                                        </p:tgtEl>
+                                        <p:attrNameLst>
+                                          <p:attrName>style.visibility</p:attrName>
+                                        </p:attrNameLst>
+                                      </p:cBhvr>
+                                      <p:to>
+                                        <p:strVal val="visible"/>
+                                      </p:to>
+                                    </p:set>
+                                    <p:animEffect transition="in" filter="wipe(left)">
+                                      <p:cBhvr>
+                                        <p:cTn id="31" dur="500"/>
+                                        <p:tgtEl>
+                                          <p:spTgt spid="17"/>
+                                        </p:tgtEl>
+                                      </p:cBhvr>
+                                    </p:animEffect>
+                                  </p:childTnLst>
+                                </p:cTn>
+                              </p:par>
+                            </p:childTnLst>
+                          </p:cTn>
+                        </p:par>
+                        <p:par>
+                          <p:cTn id="32" fill="hold">
+                            <p:stCondLst>
+                              <p:cond delay="500"/>
+                            </p:stCondLst>
+                            <p:childTnLst>
+                              <p:par>
+                                <p:cTn id="33" presetID="1" presetClass="entr" presetSubtype="0" fill="hold" grpId="0" nodeType="afterEffect">
+                                  <p:stCondLst>
+                                    <p:cond delay="0"/>
+                                  </p:stCondLst>
+                                  <p:childTnLst>
+                                    <p:set>
+                                      <p:cBhvr>
+                                        <p:cTn id="34" dur="1" fill="hold">
+                                          <p:stCondLst>
+                                            <p:cond delay="0"/>
+                                          </p:stCondLst>
+                                        </p:cTn>
+                                        <p:tgtEl>
+                                          <p:spTgt spid="13"/>
+                                        </p:tgtEl>
+                                        <p:attrNameLst>
+                                          <p:attrName>style.visibility</p:attrName>
+                                        </p:attrNameLst>
+                                      </p:cBhvr>
+                                      <p:to>
+                                        <p:strVal val="visible"/>
+                                      </p:to>
+                                    </p:set>
+                                  </p:childTnLst>
+                                </p:cTn>
+                              </p:par>
+                            </p:childTnLst>
+                          </p:cTn>
+                        </p:par>
+                      </p:childTnLst>
+                    </p:cTn>
+                  </p:par>
+                </p:childTnLst>
+              </p:cTn>
+              <p:prevCondLst>
+                <p:cond evt="onPrev" delay="0">
+                  <p:tgtEl>
+                    <p:sldTgt/>
+                  </p:tgtEl>
+                </p:cond>
+              </p:prevCondLst>
+              <p:nextCondLst>
+                <p:cond evt="onNext" delay="0">
+                  <p:tgtEl>
+                    <p:sldTgt/>
+                  </p:tgtEl>
+                </p:cond>
+              </p:nextCondLst>
+            </p:seq>
+          </p:childTnLst>
+        </p:cTn>
+      </p:par>
+    </p:tnLst>
+    <p:bldLst>
+      <p:bldP spid="10" grpId="0"/>
+      <p:bldP spid="11" grpId="0"/>
+      <p:bldP spid="12" grpId="0"/>
+      <p:bldP spid="13" grpId="0"/>
+      <p:bldP spid="14" grpId="0" animBg="1"/>
+      <p:bldP spid="15" grpId="0" animBg="1"/>
+      <p:bldP spid="16" grpId="0" animBg="1"/>
+      <p:bldP spid="17" grpId="0" animBg="1"/>
+    </p:bldLst>
+  </p:timing>
+</p:sld>
+</file>
+
+<file path=ppt/slides/slide9.xml><?xml version="1.0" encoding="utf-8"?>
+<p:sld xmlns:a="http://schemas.openxmlformats.org/drawingml/2006/main" xmlns:r="http://schemas.openxmlformats.org/officeDocument/2006/relationships" xmlns:p="http://schemas.openxmlformats.org/presentationml/2006/main">
+  <p:cSld>
+    <p:spTree>
+      <p:nvGrpSpPr>
+        <p:cNvPr id="1" name=""/>
+        <p:cNvGrpSpPr/>
+        <p:nvPr/>
+      </p:nvGrpSpPr>
+      <p:grpSpPr>
+        <a:xfrm>
+          <a:off x="0" y="0"/>
+          <a:ext cx="0" cy="0"/>
+          <a:chOff x="0" y="0"/>
+          <a:chExt cx="0" cy="0"/>
+        </a:xfrm>
+      </p:grpSpPr>
+      <p:sp>
+        <p:nvSpPr>
+          <p:cNvPr id="2" name="Title 1">
+            <a:extLst>
+              <a:ext uri="{FF2B5EF4-FFF2-40B4-BE49-F238E27FC236}">
+                <a16:creationId xmlns:a16="http://schemas.microsoft.com/office/drawing/2014/main" id="{B4B6B094-FD44-44BA-AC9B-A1901133D6BF}"/>
+              </a:ext>
+            </a:extLst>
+          </p:cNvPr>
+          <p:cNvSpPr>
+            <a:spLocks noGrp="1"/>
+          </p:cNvSpPr>
+          <p:nvPr>
+            <p:ph type="title"/>
+          </p:nvPr>
+        </p:nvSpPr>
+        <p:spPr/>
+        <p:txBody>
+          <a:bodyPr/>
+          <a:lstStyle/>
+          <a:p>
+            <a:r>
+              <a:rPr lang="en-GB" dirty="0"/>
+              <a:t>Demo – Single Exe and Tree Shaking</a:t>
+            </a:r>
+          </a:p>
+        </p:txBody>
+      </p:sp>
+      <p:pic>
+        <p:nvPicPr>
+          <p:cNvPr id="5" name="Content Placeholder 4" descr="A picture containing grass, outdoor, field, green&#10;&#10;Description automatically generated">
+            <a:extLst>
+              <a:ext uri="{FF2B5EF4-FFF2-40B4-BE49-F238E27FC236}">
+                <a16:creationId xmlns:a16="http://schemas.microsoft.com/office/drawing/2014/main" id="{D12A834A-5747-4ADF-81FE-6ABB1444E353}"/>
+              </a:ext>
+            </a:extLst>
+          </p:cNvPr>
+          <p:cNvPicPr>
+            <a:picLocks noGrp="1" noChangeAspect="1"/>
+          </p:cNvPicPr>
+          <p:nvPr>
+            <p:ph idx="1"/>
+          </p:nvPr>
+        </p:nvPicPr>
+        <p:blipFill>
+          <a:blip r:embed="rId2">
+            <a:extLst>
+              <a:ext uri="{28A0092B-C50C-407E-A947-70E740481C1C}">
+                <a14:useLocalDpi xmlns:a14="http://schemas.microsoft.com/office/drawing/2010/main" val="0"/>
+              </a:ext>
+            </a:extLst>
+          </a:blip>
+          <a:stretch>
+            <a:fillRect/>
+          </a:stretch>
+        </p:blipFill>
+        <p:spPr>
+          <a:xfrm>
+            <a:off x="3109723" y="1846263"/>
+            <a:ext cx="6032880" cy="4022725"/>
+          </a:xfrm>
+        </p:spPr>
+      </p:pic>
+    </p:spTree>
+    <p:extLst>
+      <p:ext uri="{BB962C8B-B14F-4D97-AF65-F5344CB8AC3E}">
+        <p14:creationId xmlns:p14="http://schemas.microsoft.com/office/powerpoint/2010/main" val="3788607475"/>
       </p:ext>
     </p:extLst>
   </p:cSld>
@@ -4868,4 +7411,299 @@
     </a:ext>
   </a:extLst>
 </a:theme>
+</file>
+
+<file path=ppt/theme/theme2.xml><?xml version="1.0" encoding="utf-8"?>
+<a:theme xmlns:a="http://schemas.openxmlformats.org/drawingml/2006/main" name="Office Theme">
+  <a:themeElements>
+    <a:clrScheme name="Office">
+      <a:dk1>
+        <a:sysClr val="windowText" lastClr="000000"/>
+      </a:dk1>
+      <a:lt1>
+        <a:sysClr val="window" lastClr="FFFFFF"/>
+      </a:lt1>
+      <a:dk2>
+        <a:srgbClr val="44546A"/>
+      </a:dk2>
+      <a:lt2>
+        <a:srgbClr val="E7E6E6"/>
+      </a:lt2>
+      <a:accent1>
+        <a:srgbClr val="4472C4"/>
+      </a:accent1>
+      <a:accent2>
+        <a:srgbClr val="ED7D31"/>
+      </a:accent2>
+      <a:accent3>
+        <a:srgbClr val="A5A5A5"/>
+      </a:accent3>
+      <a:accent4>
+        <a:srgbClr val="FFC000"/>
+      </a:accent4>
+      <a:accent5>
+        <a:srgbClr val="5B9BD5"/>
+      </a:accent5>
+      <a:accent6>
+        <a:srgbClr val="70AD47"/>
+      </a:accent6>
+      <a:hlink>
+        <a:srgbClr val="0563C1"/>
+      </a:hlink>
+      <a:folHlink>
+        <a:srgbClr val="954F72"/>
+      </a:folHlink>
+    </a:clrScheme>
+    <a:fontScheme name="Office">
+      <a:majorFont>
+        <a:latin typeface="Calibri Light" panose="020F0302020204030204"/>
+        <a:ea typeface=""/>
+        <a:cs typeface=""/>
+        <a:font script="Jpan" typeface="游ゴシック Light"/>
+        <a:font script="Hang" typeface="맑은 고딕"/>
+        <a:font script="Hans" typeface="等线 Light"/>
+        <a:font script="Hant" typeface="新細明體"/>
+        <a:font script="Arab" typeface="Times New Roman"/>
+        <a:font script="Hebr" typeface="Times New Roman"/>
+        <a:font script="Thai" typeface="Angsana New"/>
+        <a:font script="Ethi" typeface="Nyala"/>
+        <a:font script="Beng" typeface="Vrinda"/>
+        <a:font script="Gujr" typeface="Shruti"/>
+        <a:font script="Khmr" typeface="MoolBoran"/>
+        <a:font script="Knda" typeface="Tunga"/>
+        <a:font script="Guru" typeface="Raavi"/>
+        <a:font script="Cans" typeface="Euphemia"/>
+        <a:font script="Cher" typeface="Plantagenet Cherokee"/>
+        <a:font script="Yiii" typeface="Microsoft Yi Baiti"/>
+        <a:font script="Tibt" typeface="Microsoft Himalaya"/>
+        <a:font script="Thaa" typeface="MV Boli"/>
+        <a:font script="Deva" typeface="Mangal"/>
+        <a:font script="Telu" typeface="Gautami"/>
+        <a:font script="Taml" typeface="Latha"/>
+        <a:font script="Syrc" typeface="Estrangelo Edessa"/>
+        <a:font script="Orya" typeface="Kalinga"/>
+        <a:font script="Mlym" typeface="Kartika"/>
+        <a:font script="Laoo" typeface="DokChampa"/>
+        <a:font script="Sinh" typeface="Iskoola Pota"/>
+        <a:font script="Mong" typeface="Mongolian Baiti"/>
+        <a:font script="Viet" typeface="Times New Roman"/>
+        <a:font script="Uigh" typeface="Microsoft Uighur"/>
+        <a:font script="Geor" typeface="Sylfaen"/>
+        <a:font script="Armn" typeface="Arial"/>
+        <a:font script="Bugi" typeface="Leelawadee UI"/>
+        <a:font script="Bopo" typeface="Microsoft JhengHei"/>
+        <a:font script="Java" typeface="Javanese Text"/>
+        <a:font script="Lisu" typeface="Segoe UI"/>
+        <a:font script="Mymr" typeface="Myanmar Text"/>
+        <a:font script="Nkoo" typeface="Ebrima"/>
+        <a:font script="Olck" typeface="Nirmala UI"/>
+        <a:font script="Osma" typeface="Ebrima"/>
+        <a:font script="Phag" typeface="Phagspa"/>
+        <a:font script="Syrn" typeface="Estrangelo Edessa"/>
+        <a:font script="Syrj" typeface="Estrangelo Edessa"/>
+        <a:font script="Syre" typeface="Estrangelo Edessa"/>
+        <a:font script="Sora" typeface="Nirmala UI"/>
+        <a:font script="Tale" typeface="Microsoft Tai Le"/>
+        <a:font script="Talu" typeface="Microsoft New Tai Lue"/>
+        <a:font script="Tfng" typeface="Ebrima"/>
+      </a:majorFont>
+      <a:minorFont>
+        <a:latin typeface="Calibri" panose="020F0502020204030204"/>
+        <a:ea typeface=""/>
+        <a:cs typeface=""/>
+        <a:font script="Jpan" typeface="游ゴシック"/>
+        <a:font script="Hang" typeface="맑은 고딕"/>
+        <a:font script="Hans" typeface="等线"/>
+        <a:font script="Hant" typeface="新細明體"/>
+        <a:font script="Arab" typeface="Arial"/>
+        <a:font script="Hebr" typeface="Arial"/>
+        <a:font script="Thai" typeface="Cordia New"/>
+        <a:font script="Ethi" typeface="Nyala"/>
+        <a:font script="Beng" typeface="Vrinda"/>
+        <a:font script="Gujr" typeface="Shruti"/>
+        <a:font script="Khmr" typeface="DaunPenh"/>
+        <a:font script="Knda" typeface="Tunga"/>
+        <a:font script="Guru" typeface="Raavi"/>
+        <a:font script="Cans" typeface="Euphemia"/>
+        <a:font script="Cher" typeface="Plantagenet Cherokee"/>
+        <a:font script="Yiii" typeface="Microsoft Yi Baiti"/>
+        <a:font script="Tibt" typeface="Microsoft Himalaya"/>
+        <a:font script="Thaa" typeface="MV Boli"/>
+        <a:font script="Deva" typeface="Mangal"/>
+        <a:font script="Telu" typeface="Gautami"/>
+        <a:font script="Taml" typeface="Latha"/>
+        <a:font script="Syrc" typeface="Estrangelo Edessa"/>
+        <a:font script="Orya" typeface="Kalinga"/>
+        <a:font script="Mlym" typeface="Kartika"/>
+        <a:font script="Laoo" typeface="DokChampa"/>
+        <a:font script="Sinh" typeface="Iskoola Pota"/>
+        <a:font script="Mong" typeface="Mongolian Baiti"/>
+        <a:font script="Viet" typeface="Arial"/>
+        <a:font script="Uigh" typeface="Microsoft Uighur"/>
+        <a:font script="Geor" typeface="Sylfaen"/>
+        <a:font script="Armn" typeface="Arial"/>
+        <a:font script="Bugi" typeface="Leelawadee UI"/>
+        <a:font script="Bopo" typeface="Microsoft JhengHei"/>
+        <a:font script="Java" typeface="Javanese Text"/>
+        <a:font script="Lisu" typeface="Segoe UI"/>
+        <a:font script="Mymr" typeface="Myanmar Text"/>
+        <a:font script="Nkoo" typeface="Ebrima"/>
+        <a:font script="Olck" typeface="Nirmala UI"/>
+        <a:font script="Osma" typeface="Ebrima"/>
+        <a:font script="Phag" typeface="Phagspa"/>
+        <a:font script="Syrn" typeface="Estrangelo Edessa"/>
+        <a:font script="Syrj" typeface="Estrangelo Edessa"/>
+        <a:font script="Syre" typeface="Estrangelo Edessa"/>
+        <a:font script="Sora" typeface="Nirmala UI"/>
+        <a:font script="Tale" typeface="Microsoft Tai Le"/>
+        <a:font script="Talu" typeface="Microsoft New Tai Lue"/>
+        <a:font script="Tfng" typeface="Ebrima"/>
+      </a:minorFont>
+    </a:fontScheme>
+    <a:fmtScheme name="Office">
+      <a:fillStyleLst>
+        <a:solidFill>
+          <a:schemeClr val="phClr"/>
+        </a:solidFill>
+        <a:gradFill rotWithShape="1">
+          <a:gsLst>
+            <a:gs pos="0">
+              <a:schemeClr val="phClr">
+                <a:lumMod val="110000"/>
+                <a:satMod val="105000"/>
+                <a:tint val="67000"/>
+              </a:schemeClr>
+            </a:gs>
+            <a:gs pos="50000">
+              <a:schemeClr val="phClr">
+                <a:lumMod val="105000"/>
+                <a:satMod val="103000"/>
+                <a:tint val="73000"/>
+              </a:schemeClr>
+            </a:gs>
+            <a:gs pos="100000">
+              <a:schemeClr val="phClr">
+                <a:lumMod val="105000"/>
+                <a:satMod val="109000"/>
+                <a:tint val="81000"/>
+              </a:schemeClr>
+            </a:gs>
+          </a:gsLst>
+          <a:lin ang="5400000" scaled="0"/>
+        </a:gradFill>
+        <a:gradFill rotWithShape="1">
+          <a:gsLst>
+            <a:gs pos="0">
+              <a:schemeClr val="phClr">
+                <a:satMod val="103000"/>
+                <a:lumMod val="102000"/>
+                <a:tint val="94000"/>
+              </a:schemeClr>
+            </a:gs>
+            <a:gs pos="50000">
+              <a:schemeClr val="phClr">
+                <a:satMod val="110000"/>
+                <a:lumMod val="100000"/>
+                <a:shade val="100000"/>
+              </a:schemeClr>
+            </a:gs>
+            <a:gs pos="100000">
+              <a:schemeClr val="phClr">
+                <a:lumMod val="99000"/>
+                <a:satMod val="120000"/>
+                <a:shade val="78000"/>
+              </a:schemeClr>
+            </a:gs>
+          </a:gsLst>
+          <a:lin ang="5400000" scaled="0"/>
+        </a:gradFill>
+      </a:fillStyleLst>
+      <a:lnStyleLst>
+        <a:ln w="6350" cap="flat" cmpd="sng" algn="ctr">
+          <a:solidFill>
+            <a:schemeClr val="phClr"/>
+          </a:solidFill>
+          <a:prstDash val="solid"/>
+          <a:miter lim="800000"/>
+        </a:ln>
+        <a:ln w="12700" cap="flat" cmpd="sng" algn="ctr">
+          <a:solidFill>
+            <a:schemeClr val="phClr"/>
+          </a:solidFill>
+          <a:prstDash val="solid"/>
+          <a:miter lim="800000"/>
+        </a:ln>
+        <a:ln w="19050" cap="flat" cmpd="sng" algn="ctr">
+          <a:solidFill>
+            <a:schemeClr val="phClr"/>
+          </a:solidFill>
+          <a:prstDash val="solid"/>
+          <a:miter lim="800000"/>
+        </a:ln>
+      </a:lnStyleLst>
+      <a:effectStyleLst>
+        <a:effectStyle>
+          <a:effectLst/>
+        </a:effectStyle>
+        <a:effectStyle>
+          <a:effectLst/>
+        </a:effectStyle>
+        <a:effectStyle>
+          <a:effectLst>
+            <a:outerShdw blurRad="57150" dist="19050" dir="5400000" algn="ctr" rotWithShape="0">
+              <a:srgbClr val="000000">
+                <a:alpha val="63000"/>
+              </a:srgbClr>
+            </a:outerShdw>
+          </a:effectLst>
+        </a:effectStyle>
+      </a:effectStyleLst>
+      <a:bgFillStyleLst>
+        <a:solidFill>
+          <a:schemeClr val="phClr"/>
+        </a:solidFill>
+        <a:solidFill>
+          <a:schemeClr val="phClr">
+            <a:tint val="95000"/>
+            <a:satMod val="170000"/>
+          </a:schemeClr>
+        </a:solidFill>
+        <a:gradFill rotWithShape="1">
+          <a:gsLst>
+            <a:gs pos="0">
+              <a:schemeClr val="phClr">
+                <a:tint val="93000"/>
+                <a:satMod val="150000"/>
+                <a:shade val="98000"/>
+                <a:lumMod val="102000"/>
+              </a:schemeClr>
+            </a:gs>
+            <a:gs pos="50000">
+              <a:schemeClr val="phClr">
+                <a:tint val="98000"/>
+                <a:satMod val="130000"/>
+                <a:shade val="90000"/>
+                <a:lumMod val="103000"/>
+              </a:schemeClr>
+            </a:gs>
+            <a:gs pos="100000">
+              <a:schemeClr val="phClr">
+                <a:shade val="63000"/>
+                <a:satMod val="120000"/>
+              </a:schemeClr>
+            </a:gs>
+          </a:gsLst>
+          <a:lin ang="5400000" scaled="0"/>
+        </a:gradFill>
+      </a:bgFillStyleLst>
+    </a:fmtScheme>
+  </a:themeElements>
+  <a:objectDefaults/>
+  <a:extraClrSchemeLst/>
+  <a:extLst>
+    <a:ext uri="{05A4C25C-085E-4340-85A3-A5531E510DB2}">
+      <thm15:themeFamily xmlns:thm15="http://schemas.microsoft.com/office/thememl/2012/main" name="Office Theme" id="{62F939B6-93AF-4DB8-9C6B-D6C7DFDC589F}" vid="{4A3C46E8-61CC-4603-A589-7422A47A8E4A}"/>
+    </a:ext>
+  </a:extLst>
+</a:theme>
 </file>